--- a/Project/Context/HorusPath.context.pptx
+++ b/Project/Context/HorusPath.context.pptx
@@ -9,18 +9,17 @@
     <p:sldId id="257" r:id="rId7"/>
     <p:sldId id="258" r:id="rId8"/>
     <p:sldId id="259" r:id="rId9"/>
-    <p:sldId id="260" r:id="rId10"/>
   </p:sldIdLst>
   <p:sldSz cx="18288000" cy="10287000"/>
   <p:notesSz cx="6858000" cy="9144000"/>
   <p:embeddedFontLst>
     <p:embeddedFont>
       <p:font typeface="Public Sans" charset="1" panose="00000000000000000000"/>
-      <p:regular r:id="rId11"/>
+      <p:regular r:id="rId10"/>
     </p:embeddedFont>
     <p:embeddedFont>
       <p:font typeface="Public Sans Bold" charset="1" panose="00000000000000000000"/>
-      <p:regular r:id="rId12"/>
+      <p:regular r:id="rId11"/>
     </p:embeddedFont>
   </p:embeddedFontLst>
   <p:defaultTextStyle>
@@ -3426,20 +3425,20 @@
           <p:nvPr/>
         </p:nvGraphicFramePr>
         <p:xfrm>
-          <a:off x="1028700" y="2111998"/>
-          <a:ext cx="15739003" cy="7584712"/>
+          <a:off x="908997" y="1812740"/>
+          <a:ext cx="16470006" cy="8153400"/>
         </p:xfrm>
         <a:graphic>
           <a:graphicData uri="http://schemas.openxmlformats.org/drawingml/2006/table">
             <a:tbl>
               <a:tblPr/>
               <a:tblGrid>
-                <a:gridCol w="845903"/>
-                <a:gridCol w="3345785"/>
-                <a:gridCol w="7636034"/>
-                <a:gridCol w="3911281"/>
+                <a:gridCol w="845812"/>
+                <a:gridCol w="3345424"/>
+                <a:gridCol w="7635211"/>
+                <a:gridCol w="4643558"/>
               </a:tblGrid>
-              <a:tr h="1072186">
+              <a:tr h="1071808">
                 <a:tc>
                   <a:txBody>
                     <a:bodyPr anchor="t" rtlCol="false"/>
@@ -3701,7 +3700,7 @@
                   </a:tcPr>
                 </a:tc>
               </a:tr>
-              <a:tr h="1241639">
+              <a:tr h="1416318">
                 <a:tc>
                   <a:txBody>
                     <a:bodyPr anchor="t" rtlCol="false"/>
@@ -3908,7 +3907,57 @@
                         </a:lnSpc>
                         <a:defRPr/>
                       </a:pPr>
+                      <a:r>
+                        <a:rPr lang="en-US" sz="1800">
+                          <a:solidFill>
+                            <a:srgbClr val="000000"/>
+                          </a:solidFill>
+                          <a:latin typeface="Public Sans"/>
+                          <a:ea typeface="Public Sans"/>
+                          <a:cs typeface="Public Sans"/>
+                          <a:sym typeface="Public Sans"/>
+                        </a:rPr>
+                        <a:t>MinTIC</a:t>
+                      </a:r>
                       <a:endParaRPr lang="en-US" sz="1100"/>
+                    </a:p>
+                    <a:p>
+                      <a:pPr algn="ctr">
+                        <a:lnSpc>
+                          <a:spcPts val="2520"/>
+                        </a:lnSpc>
+                      </a:pPr>
+                      <a:r>
+                        <a:rPr lang="en-US" sz="1800">
+                          <a:solidFill>
+                            <a:srgbClr val="000000"/>
+                          </a:solidFill>
+                          <a:latin typeface="Public Sans"/>
+                          <a:ea typeface="Public Sans"/>
+                          <a:cs typeface="Public Sans"/>
+                          <a:sym typeface="Public Sans"/>
+                        </a:rPr>
+                        <a:t>Minciencias</a:t>
+                      </a:r>
+                    </a:p>
+                    <a:p>
+                      <a:pPr algn="ctr">
+                        <a:lnSpc>
+                          <a:spcPts val="2520"/>
+                        </a:lnSpc>
+                      </a:pPr>
+                      <a:r>
+                        <a:rPr lang="en-US" sz="1800">
+                          <a:solidFill>
+                            <a:srgbClr val="000000"/>
+                          </a:solidFill>
+                          <a:latin typeface="Public Sans"/>
+                          <a:ea typeface="Public Sans"/>
+                          <a:cs typeface="Public Sans"/>
+                          <a:sym typeface="Public Sans"/>
+                        </a:rPr>
+                        <a:t>Ministerio de Salud y Protección Social</a:t>
+                      </a:r>
                     </a:p>
                   </a:txBody>
                   <a:tcPr marL="190500" marR="190500" marT="190500" marB="190500" anchor="ctr">
@@ -3951,7 +4000,7 @@
                   </a:tcPr>
                 </a:tc>
               </a:tr>
-              <a:tr h="1237843">
+              <a:tr h="1416318">
                 <a:tc>
                   <a:txBody>
                     <a:bodyPr anchor="t" rtlCol="false"/>
@@ -4158,7 +4207,57 @@
                         </a:lnSpc>
                         <a:defRPr/>
                       </a:pPr>
+                      <a:r>
+                        <a:rPr lang="en-US" sz="1800">
+                          <a:solidFill>
+                            <a:srgbClr val="000000"/>
+                          </a:solidFill>
+                          <a:latin typeface="Public Sans"/>
+                          <a:ea typeface="Public Sans"/>
+                          <a:cs typeface="Public Sans"/>
+                          <a:sym typeface="Public Sans"/>
+                        </a:rPr>
+                        <a:t>MinTIC</a:t>
+                      </a:r>
                       <a:endParaRPr lang="en-US" sz="1100"/>
+                    </a:p>
+                    <a:p>
+                      <a:pPr algn="ctr">
+                        <a:lnSpc>
+                          <a:spcPts val="2520"/>
+                        </a:lnSpc>
+                      </a:pPr>
+                      <a:r>
+                        <a:rPr lang="en-US" sz="1800">
+                          <a:solidFill>
+                            <a:srgbClr val="000000"/>
+                          </a:solidFill>
+                          <a:latin typeface="Public Sans"/>
+                          <a:ea typeface="Public Sans"/>
+                          <a:cs typeface="Public Sans"/>
+                          <a:sym typeface="Public Sans"/>
+                        </a:rPr>
+                        <a:t>Minciencias</a:t>
+                      </a:r>
+                    </a:p>
+                    <a:p>
+                      <a:pPr algn="ctr">
+                        <a:lnSpc>
+                          <a:spcPts val="2520"/>
+                        </a:lnSpc>
+                      </a:pPr>
+                      <a:r>
+                        <a:rPr lang="en-US" sz="1800">
+                          <a:solidFill>
+                            <a:srgbClr val="000000"/>
+                          </a:solidFill>
+                          <a:latin typeface="Public Sans"/>
+                          <a:ea typeface="Public Sans"/>
+                          <a:cs typeface="Public Sans"/>
+                          <a:sym typeface="Public Sans"/>
+                        </a:rPr>
+                        <a:t>Ministerio de Salud y Protección Social</a:t>
+                      </a:r>
                     </a:p>
                   </a:txBody>
                   <a:tcPr marL="190500" marR="190500" marT="190500" marB="190500" anchor="ctr">
@@ -4201,7 +4300,7 @@
                   </a:tcPr>
                 </a:tc>
               </a:tr>
-              <a:tr h="1344348">
+              <a:tr h="1416318">
                 <a:tc>
                   <a:txBody>
                     <a:bodyPr anchor="t" rtlCol="false"/>
@@ -4408,7 +4507,57 @@
                         </a:lnSpc>
                         <a:defRPr/>
                       </a:pPr>
+                      <a:r>
+                        <a:rPr lang="en-US" sz="1800">
+                          <a:solidFill>
+                            <a:srgbClr val="000000"/>
+                          </a:solidFill>
+                          <a:latin typeface="Public Sans"/>
+                          <a:ea typeface="Public Sans"/>
+                          <a:cs typeface="Public Sans"/>
+                          <a:sym typeface="Public Sans"/>
+                        </a:rPr>
+                        <a:t>MinTIC</a:t>
+                      </a:r>
                       <a:endParaRPr lang="en-US" sz="1100"/>
+                    </a:p>
+                    <a:p>
+                      <a:pPr algn="ctr">
+                        <a:lnSpc>
+                          <a:spcPts val="2520"/>
+                        </a:lnSpc>
+                      </a:pPr>
+                      <a:r>
+                        <a:rPr lang="en-US" sz="1800">
+                          <a:solidFill>
+                            <a:srgbClr val="000000"/>
+                          </a:solidFill>
+                          <a:latin typeface="Public Sans"/>
+                          <a:ea typeface="Public Sans"/>
+                          <a:cs typeface="Public Sans"/>
+                          <a:sym typeface="Public Sans"/>
+                        </a:rPr>
+                        <a:t>Minciencias</a:t>
+                      </a:r>
+                    </a:p>
+                    <a:p>
+                      <a:pPr algn="ctr">
+                        <a:lnSpc>
+                          <a:spcPts val="2520"/>
+                        </a:lnSpc>
+                      </a:pPr>
+                      <a:r>
+                        <a:rPr lang="en-US" sz="1800">
+                          <a:solidFill>
+                            <a:srgbClr val="000000"/>
+                          </a:solidFill>
+                          <a:latin typeface="Public Sans"/>
+                          <a:ea typeface="Public Sans"/>
+                          <a:cs typeface="Public Sans"/>
+                          <a:sym typeface="Public Sans"/>
+                        </a:rPr>
+                        <a:t>Ministerio de Salud y Protección Social</a:t>
+                      </a:r>
                     </a:p>
                   </a:txBody>
                   <a:tcPr marL="190500" marR="190500" marT="190500" marB="190500" anchor="ctr">
@@ -4451,7 +4600,7 @@
                   </a:tcPr>
                 </a:tc>
               </a:tr>
-              <a:tr h="1344348">
+              <a:tr h="1416318">
                 <a:tc>
                   <a:txBody>
                     <a:bodyPr anchor="t" rtlCol="false"/>
@@ -4658,7 +4807,57 @@
                         </a:lnSpc>
                         <a:defRPr/>
                       </a:pPr>
+                      <a:r>
+                        <a:rPr lang="en-US" sz="1800">
+                          <a:solidFill>
+                            <a:srgbClr val="000000"/>
+                          </a:solidFill>
+                          <a:latin typeface="Public Sans"/>
+                          <a:ea typeface="Public Sans"/>
+                          <a:cs typeface="Public Sans"/>
+                          <a:sym typeface="Public Sans"/>
+                        </a:rPr>
+                        <a:t>MinTIC</a:t>
+                      </a:r>
                       <a:endParaRPr lang="en-US" sz="1100"/>
+                    </a:p>
+                    <a:p>
+                      <a:pPr algn="ctr">
+                        <a:lnSpc>
+                          <a:spcPts val="2520"/>
+                        </a:lnSpc>
+                      </a:pPr>
+                      <a:r>
+                        <a:rPr lang="en-US" sz="1800">
+                          <a:solidFill>
+                            <a:srgbClr val="000000"/>
+                          </a:solidFill>
+                          <a:latin typeface="Public Sans"/>
+                          <a:ea typeface="Public Sans"/>
+                          <a:cs typeface="Public Sans"/>
+                          <a:sym typeface="Public Sans"/>
+                        </a:rPr>
+                        <a:t>Minciencias</a:t>
+                      </a:r>
+                    </a:p>
+                    <a:p>
+                      <a:pPr algn="ctr">
+                        <a:lnSpc>
+                          <a:spcPts val="2520"/>
+                        </a:lnSpc>
+                      </a:pPr>
+                      <a:r>
+                        <a:rPr lang="en-US" sz="1800">
+                          <a:solidFill>
+                            <a:srgbClr val="000000"/>
+                          </a:solidFill>
+                          <a:latin typeface="Public Sans"/>
+                          <a:ea typeface="Public Sans"/>
+                          <a:cs typeface="Public Sans"/>
+                          <a:sym typeface="Public Sans"/>
+                        </a:rPr>
+                        <a:t>Ministerio de Salud y Protección Social</a:t>
+                      </a:r>
                     </a:p>
                   </a:txBody>
                   <a:tcPr marL="190500" marR="190500" marT="190500" marB="190500" anchor="ctr">
@@ -4701,7 +4900,7 @@
                   </a:tcPr>
                 </a:tc>
               </a:tr>
-              <a:tr h="1344348">
+              <a:tr h="1416318">
                 <a:tc>
                   <a:txBody>
                     <a:bodyPr anchor="t" rtlCol="false"/>
@@ -4896,7 +5095,57 @@
                         </a:lnSpc>
                         <a:defRPr/>
                       </a:pPr>
+                      <a:r>
+                        <a:rPr lang="en-US" sz="1800">
+                          <a:solidFill>
+                            <a:srgbClr val="000000"/>
+                          </a:solidFill>
+                          <a:latin typeface="Public Sans"/>
+                          <a:ea typeface="Public Sans"/>
+                          <a:cs typeface="Public Sans"/>
+                          <a:sym typeface="Public Sans"/>
+                        </a:rPr>
+                        <a:t>MinTIC</a:t>
+                      </a:r>
                       <a:endParaRPr lang="en-US" sz="1100"/>
+                    </a:p>
+                    <a:p>
+                      <a:pPr algn="ctr">
+                        <a:lnSpc>
+                          <a:spcPts val="2520"/>
+                        </a:lnSpc>
+                      </a:pPr>
+                      <a:r>
+                        <a:rPr lang="en-US" sz="1800">
+                          <a:solidFill>
+                            <a:srgbClr val="000000"/>
+                          </a:solidFill>
+                          <a:latin typeface="Public Sans"/>
+                          <a:ea typeface="Public Sans"/>
+                          <a:cs typeface="Public Sans"/>
+                          <a:sym typeface="Public Sans"/>
+                        </a:rPr>
+                        <a:t>Minciencias</a:t>
+                      </a:r>
+                    </a:p>
+                    <a:p>
+                      <a:pPr algn="ctr">
+                        <a:lnSpc>
+                          <a:spcPts val="2520"/>
+                        </a:lnSpc>
+                      </a:pPr>
+                      <a:r>
+                        <a:rPr lang="en-US" sz="1800">
+                          <a:solidFill>
+                            <a:srgbClr val="000000"/>
+                          </a:solidFill>
+                          <a:latin typeface="Public Sans"/>
+                          <a:ea typeface="Public Sans"/>
+                          <a:cs typeface="Public Sans"/>
+                          <a:sym typeface="Public Sans"/>
+                        </a:rPr>
+                        <a:t>Ministerio de Salud y Protección Social</a:t>
+                      </a:r>
                     </a:p>
                   </a:txBody>
                   <a:tcPr marL="190500" marR="190500" marT="190500" marB="190500" anchor="ctr">
@@ -5025,20 +5274,20 @@
           <p:nvPr/>
         </p:nvGraphicFramePr>
         <p:xfrm>
-          <a:off x="1028700" y="2111998"/>
-          <a:ext cx="15739003" cy="4909522"/>
+          <a:off x="936413" y="2129792"/>
+          <a:ext cx="16415175" cy="5334000"/>
         </p:xfrm>
         <a:graphic>
           <a:graphicData uri="http://schemas.openxmlformats.org/drawingml/2006/table">
             <a:tbl>
               <a:tblPr/>
               <a:tblGrid>
-                <a:gridCol w="845903"/>
-                <a:gridCol w="3345785"/>
-                <a:gridCol w="7636034"/>
-                <a:gridCol w="3911281"/>
+                <a:gridCol w="845819"/>
+                <a:gridCol w="3345450"/>
+                <a:gridCol w="7635271"/>
+                <a:gridCol w="4588635"/>
               </a:tblGrid>
-              <a:tr h="1075144">
+              <a:tr h="1074475">
                 <a:tc>
                   <a:txBody>
                     <a:bodyPr anchor="t" rtlCol="false"/>
@@ -5300,7 +5549,7 @@
                   </a:tcPr>
                 </a:tc>
               </a:tr>
-              <a:tr h="1245064">
+              <a:tr h="1419842">
                 <a:tc>
                   <a:txBody>
                     <a:bodyPr anchor="t" rtlCol="false"/>
@@ -5507,7 +5756,57 @@
                         </a:lnSpc>
                         <a:defRPr/>
                       </a:pPr>
+                      <a:r>
+                        <a:rPr lang="en-US" sz="1800">
+                          <a:solidFill>
+                            <a:srgbClr val="000000"/>
+                          </a:solidFill>
+                          <a:latin typeface="Public Sans"/>
+                          <a:ea typeface="Public Sans"/>
+                          <a:cs typeface="Public Sans"/>
+                          <a:sym typeface="Public Sans"/>
+                        </a:rPr>
+                        <a:t>MinTIC</a:t>
+                      </a:r>
                       <a:endParaRPr lang="en-US" sz="1100"/>
+                    </a:p>
+                    <a:p>
+                      <a:pPr algn="ctr">
+                        <a:lnSpc>
+                          <a:spcPts val="2520"/>
+                        </a:lnSpc>
+                      </a:pPr>
+                      <a:r>
+                        <a:rPr lang="en-US" sz="1800">
+                          <a:solidFill>
+                            <a:srgbClr val="000000"/>
+                          </a:solidFill>
+                          <a:latin typeface="Public Sans"/>
+                          <a:ea typeface="Public Sans"/>
+                          <a:cs typeface="Public Sans"/>
+                          <a:sym typeface="Public Sans"/>
+                        </a:rPr>
+                        <a:t>Minciencias</a:t>
+                      </a:r>
+                    </a:p>
+                    <a:p>
+                      <a:pPr algn="ctr">
+                        <a:lnSpc>
+                          <a:spcPts val="2520"/>
+                        </a:lnSpc>
+                      </a:pPr>
+                      <a:r>
+                        <a:rPr lang="en-US" sz="1800">
+                          <a:solidFill>
+                            <a:srgbClr val="000000"/>
+                          </a:solidFill>
+                          <a:latin typeface="Public Sans"/>
+                          <a:ea typeface="Public Sans"/>
+                          <a:cs typeface="Public Sans"/>
+                          <a:sym typeface="Public Sans"/>
+                        </a:rPr>
+                        <a:t>Ministerio de Salud y Protección Social</a:t>
+                      </a:r>
                     </a:p>
                   </a:txBody>
                   <a:tcPr marL="190500" marR="190500" marT="190500" marB="190500" anchor="ctr">
@@ -5550,7 +5849,7 @@
                   </a:tcPr>
                 </a:tc>
               </a:tr>
-              <a:tr h="1241258">
+              <a:tr h="1419842">
                 <a:tc>
                   <a:txBody>
                     <a:bodyPr anchor="t" rtlCol="false"/>
@@ -5757,7 +6056,57 @@
                         </a:lnSpc>
                         <a:defRPr/>
                       </a:pPr>
+                      <a:r>
+                        <a:rPr lang="en-US" sz="1800">
+                          <a:solidFill>
+                            <a:srgbClr val="000000"/>
+                          </a:solidFill>
+                          <a:latin typeface="Public Sans"/>
+                          <a:ea typeface="Public Sans"/>
+                          <a:cs typeface="Public Sans"/>
+                          <a:sym typeface="Public Sans"/>
+                        </a:rPr>
+                        <a:t>MinTIC</a:t>
+                      </a:r>
                       <a:endParaRPr lang="en-US" sz="1100"/>
+                    </a:p>
+                    <a:p>
+                      <a:pPr algn="ctr">
+                        <a:lnSpc>
+                          <a:spcPts val="2520"/>
+                        </a:lnSpc>
+                      </a:pPr>
+                      <a:r>
+                        <a:rPr lang="en-US" sz="1800">
+                          <a:solidFill>
+                            <a:srgbClr val="000000"/>
+                          </a:solidFill>
+                          <a:latin typeface="Public Sans"/>
+                          <a:ea typeface="Public Sans"/>
+                          <a:cs typeface="Public Sans"/>
+                          <a:sym typeface="Public Sans"/>
+                        </a:rPr>
+                        <a:t>Minciencias</a:t>
+                      </a:r>
+                    </a:p>
+                    <a:p>
+                      <a:pPr algn="ctr">
+                        <a:lnSpc>
+                          <a:spcPts val="2520"/>
+                        </a:lnSpc>
+                      </a:pPr>
+                      <a:r>
+                        <a:rPr lang="en-US" sz="1800">
+                          <a:solidFill>
+                            <a:srgbClr val="000000"/>
+                          </a:solidFill>
+                          <a:latin typeface="Public Sans"/>
+                          <a:ea typeface="Public Sans"/>
+                          <a:cs typeface="Public Sans"/>
+                          <a:sym typeface="Public Sans"/>
+                        </a:rPr>
+                        <a:t>Ministerio de Salud y Protección Social</a:t>
+                      </a:r>
                     </a:p>
                   </a:txBody>
                   <a:tcPr marL="190500" marR="190500" marT="190500" marB="190500" anchor="ctr">
@@ -5800,7 +6149,7 @@
                   </a:tcPr>
                 </a:tc>
               </a:tr>
-              <a:tr h="1348057">
+              <a:tr h="1419842">
                 <a:tc>
                   <a:txBody>
                     <a:bodyPr anchor="t" rtlCol="false"/>
@@ -6007,487 +6356,25 @@
                         </a:lnSpc>
                         <a:defRPr/>
                       </a:pPr>
-                      <a:endParaRPr lang="en-US" sz="1100"/>
-                    </a:p>
-                  </a:txBody>
-                  <a:tcPr marL="190500" marR="190500" marT="190500" marB="190500" anchor="ctr">
-                    <a:lnL cmpd="sng" algn="ctr" cap="flat" w="38100">
-                      <a:solidFill>
-                        <a:srgbClr val="000000"/>
-                      </a:solidFill>
-                      <a:prstDash val="solid"/>
-                      <a:round/>
-                      <a:headEnd type="none" w="med" len="med"/>
-                      <a:tailEnd type="none" w="med" len="med"/>
-                    </a:lnL>
-                    <a:lnR cmpd="sng" algn="ctr" cap="flat" w="38100">
-                      <a:solidFill>
-                        <a:srgbClr val="000000"/>
-                      </a:solidFill>
-                      <a:prstDash val="solid"/>
-                      <a:round/>
-                      <a:headEnd type="none" w="med" len="med"/>
-                      <a:tailEnd type="none" w="med" len="med"/>
-                    </a:lnR>
-                    <a:lnT cmpd="sng" algn="ctr" cap="flat" w="38100">
-                      <a:solidFill>
-                        <a:srgbClr val="000000"/>
-                      </a:solidFill>
-                      <a:prstDash val="solid"/>
-                      <a:round/>
-                      <a:headEnd type="none" w="med" len="med"/>
-                      <a:tailEnd type="none" w="med" len="med"/>
-                    </a:lnT>
-                    <a:lnB cmpd="sng" algn="ctr" cap="flat" w="38100">
-                      <a:solidFill>
-                        <a:srgbClr val="000000"/>
-                      </a:solidFill>
-                      <a:prstDash val="solid"/>
-                      <a:round/>
-                      <a:headEnd type="none" w="med" len="med"/>
-                      <a:tailEnd type="none" w="med" len="med"/>
-                    </a:lnB>
-                  </a:tcPr>
-                </a:tc>
-              </a:tr>
-            </a:tbl>
-          </a:graphicData>
-        </a:graphic>
-      </p:graphicFrame>
-      <p:sp>
-        <p:nvSpPr>
-          <p:cNvPr name="TextBox 3" id="3"/>
-          <p:cNvSpPr txBox="true"/>
-          <p:nvPr/>
-        </p:nvSpPr>
-        <p:spPr>
-          <a:xfrm rot="0">
-            <a:off x="2249478" y="209550"/>
-            <a:ext cx="14289581" cy="1232538"/>
-          </a:xfrm>
-          <a:prstGeom prst="rect">
-            <a:avLst/>
-          </a:prstGeom>
-        </p:spPr>
-        <p:txBody>
-          <a:bodyPr anchor="t" rtlCol="false" tIns="0" lIns="0" bIns="0" rIns="0">
-            <a:spAutoFit/>
-          </a:bodyPr>
-          <a:lstStyle/>
-          <a:p>
-            <a:pPr algn="ctr">
-              <a:lnSpc>
-                <a:spcPts val="9120"/>
-              </a:lnSpc>
-            </a:pPr>
-            <a:r>
-              <a:rPr lang="en-US" sz="9500" spc="-779">
-                <a:solidFill>
-                  <a:srgbClr val="272665"/>
-                </a:solidFill>
-                <a:latin typeface="Public Sans"/>
-                <a:ea typeface="Public Sans"/>
-                <a:cs typeface="Public Sans"/>
-                <a:sym typeface="Public Sans"/>
-              </a:rPr>
-              <a:t>Requerimientos Funcionales</a:t>
-            </a:r>
-          </a:p>
-        </p:txBody>
-      </p:sp>
-    </p:spTree>
-  </p:cSld>
-  <p:clrMapOvr>
-    <a:masterClrMapping/>
-  </p:clrMapOvr>
-</p:sld>
-</file>
-
-<file path=ppt/slides/slide5.xml><?xml version="1.0" encoding="utf-8"?>
-<p:sld xmlns:p="http://schemas.openxmlformats.org/presentationml/2006/main" xmlns:a="http://schemas.openxmlformats.org/drawingml/2006/main">
-  <p:cSld>
-    <p:bg>
-      <p:bgPr>
-        <a:solidFill>
-          <a:srgbClr val="E6E4EF"/>
-        </a:solidFill>
-      </p:bgPr>
-    </p:bg>
-    <p:spTree>
-      <p:nvGrpSpPr>
-        <p:cNvPr id="1" name=""/>
-        <p:cNvGrpSpPr/>
-        <p:nvPr/>
-      </p:nvGrpSpPr>
-      <p:grpSpPr>
-        <a:xfrm>
-          <a:off x="0" y="0"/>
-          <a:ext cx="0" cy="0"/>
-          <a:chOff x="0" y="0"/>
-          <a:chExt cx="0" cy="0"/>
-        </a:xfrm>
-      </p:grpSpPr>
-      <p:graphicFrame>
-        <p:nvGraphicFramePr>
-          <p:cNvPr name="Table 2" id="2"/>
-          <p:cNvGraphicFramePr>
-            <a:graphicFrameLocks noGrp="true"/>
-          </p:cNvGraphicFramePr>
-          <p:nvPr/>
-        </p:nvGraphicFramePr>
-        <p:xfrm>
-          <a:off x="1028700" y="2111998"/>
-          <a:ext cx="15739003" cy="7584712"/>
-        </p:xfrm>
-        <a:graphic>
-          <a:graphicData uri="http://schemas.openxmlformats.org/drawingml/2006/table">
-            <a:tbl>
-              <a:tblPr/>
-              <a:tblGrid>
-                <a:gridCol w="1124820"/>
-                <a:gridCol w="3914343"/>
-                <a:gridCol w="4434315"/>
-                <a:gridCol w="3132762"/>
-                <a:gridCol w="3132762"/>
-              </a:tblGrid>
-              <a:tr h="1072186">
-                <a:tc>
-                  <a:txBody>
-                    <a:bodyPr anchor="t" rtlCol="false"/>
-                    <a:lstStyle/>
-                    <a:p>
-                      <a:pPr algn="ctr">
-                        <a:lnSpc>
-                          <a:spcPts val="4479"/>
-                        </a:lnSpc>
-                        <a:defRPr/>
-                      </a:pPr>
                       <a:r>
-                        <a:rPr lang="en-US" sz="3199" b="true">
+                        <a:rPr lang="en-US" sz="1800">
                           <a:solidFill>
                             <a:srgbClr val="000000"/>
                           </a:solidFill>
-                          <a:latin typeface="Public Sans Bold"/>
-                          <a:ea typeface="Public Sans Bold"/>
-                          <a:cs typeface="Public Sans Bold"/>
-                          <a:sym typeface="Public Sans Bold"/>
+                          <a:latin typeface="Public Sans"/>
+                          <a:ea typeface="Public Sans"/>
+                          <a:cs typeface="Public Sans"/>
+                          <a:sym typeface="Public Sans"/>
                         </a:rPr>
-                        <a:t>ID</a:t>
+                        <a:t>MinTIC</a:t>
                       </a:r>
                       <a:endParaRPr lang="en-US" sz="1100"/>
                     </a:p>
-                  </a:txBody>
-                  <a:tcPr marL="190500" marR="190500" marT="190500" marB="190500" anchor="ctr">
-                    <a:lnL cmpd="sng" algn="ctr" cap="flat" w="38100">
-                      <a:solidFill>
-                        <a:srgbClr val="000000"/>
-                      </a:solidFill>
-                      <a:prstDash val="solid"/>
-                      <a:round/>
-                      <a:headEnd type="none" w="med" len="med"/>
-                      <a:tailEnd type="none" w="med" len="med"/>
-                    </a:lnL>
-                    <a:lnR cmpd="sng" algn="ctr" cap="flat" w="38100">
-                      <a:solidFill>
-                        <a:srgbClr val="000000"/>
-                      </a:solidFill>
-                      <a:prstDash val="solid"/>
-                      <a:round/>
-                      <a:headEnd type="none" w="med" len="med"/>
-                      <a:tailEnd type="none" w="med" len="med"/>
-                    </a:lnR>
-                    <a:lnT cmpd="sng" algn="ctr" cap="flat" w="38100">
-                      <a:solidFill>
-                        <a:srgbClr val="000000"/>
-                      </a:solidFill>
-                      <a:prstDash val="solid"/>
-                      <a:round/>
-                      <a:headEnd type="none" w="med" len="med"/>
-                      <a:tailEnd type="none" w="med" len="med"/>
-                    </a:lnT>
-                    <a:lnB cmpd="sng" algn="ctr" cap="flat" w="38100">
-                      <a:solidFill>
-                        <a:srgbClr val="000000"/>
-                      </a:solidFill>
-                      <a:prstDash val="solid"/>
-                      <a:round/>
-                      <a:headEnd type="none" w="med" len="med"/>
-                      <a:tailEnd type="none" w="med" len="med"/>
-                    </a:lnB>
-                  </a:tcPr>
-                </a:tc>
-                <a:tc>
-                  <a:txBody>
-                    <a:bodyPr anchor="t" rtlCol="false"/>
-                    <a:lstStyle/>
-                    <a:p>
-                      <a:pPr algn="ctr">
-                        <a:lnSpc>
-                          <a:spcPts val="4479"/>
-                        </a:lnSpc>
-                        <a:defRPr/>
-                      </a:pPr>
-                      <a:r>
-                        <a:rPr lang="en-US" sz="3199" b="true">
-                          <a:solidFill>
-                            <a:srgbClr val="000000"/>
-                          </a:solidFill>
-                          <a:latin typeface="Public Sans Bold"/>
-                          <a:ea typeface="Public Sans Bold"/>
-                          <a:cs typeface="Public Sans Bold"/>
-                          <a:sym typeface="Public Sans Bold"/>
-                        </a:rPr>
-                        <a:t>Descripcion</a:t>
-                      </a:r>
-                      <a:endParaRPr lang="en-US" sz="1100"/>
-                    </a:p>
-                  </a:txBody>
-                  <a:tcPr marL="190500" marR="190500" marT="190500" marB="190500" anchor="ctr">
-                    <a:lnL cmpd="sng" algn="ctr" cap="flat" w="38100">
-                      <a:solidFill>
-                        <a:srgbClr val="000000"/>
-                      </a:solidFill>
-                      <a:prstDash val="solid"/>
-                      <a:round/>
-                      <a:headEnd type="none" w="med" len="med"/>
-                      <a:tailEnd type="none" w="med" len="med"/>
-                    </a:lnL>
-                    <a:lnR cmpd="sng" algn="ctr" cap="flat" w="38100">
-                      <a:solidFill>
-                        <a:srgbClr val="000000"/>
-                      </a:solidFill>
-                      <a:prstDash val="solid"/>
-                      <a:round/>
-                      <a:headEnd type="none" w="med" len="med"/>
-                      <a:tailEnd type="none" w="med" len="med"/>
-                    </a:lnR>
-                    <a:lnT cmpd="sng" algn="ctr" cap="flat" w="38100">
-                      <a:solidFill>
-                        <a:srgbClr val="000000"/>
-                      </a:solidFill>
-                      <a:prstDash val="solid"/>
-                      <a:round/>
-                      <a:headEnd type="none" w="med" len="med"/>
-                      <a:tailEnd type="none" w="med" len="med"/>
-                    </a:lnT>
-                    <a:lnB cmpd="sng" algn="ctr" cap="flat" w="38100">
-                      <a:solidFill>
-                        <a:srgbClr val="000000"/>
-                      </a:solidFill>
-                      <a:prstDash val="solid"/>
-                      <a:round/>
-                      <a:headEnd type="none" w="med" len="med"/>
-                      <a:tailEnd type="none" w="med" len="med"/>
-                    </a:lnB>
-                  </a:tcPr>
-                </a:tc>
-                <a:tc>
-                  <a:txBody>
-                    <a:bodyPr anchor="t" rtlCol="false"/>
-                    <a:lstStyle/>
-                    <a:p>
-                      <a:pPr algn="ctr">
-                        <a:lnSpc>
-                          <a:spcPts val="4479"/>
-                        </a:lnSpc>
-                        <a:defRPr/>
-                      </a:pPr>
-                      <a:r>
-                        <a:rPr lang="en-US" sz="3199" b="true">
-                          <a:solidFill>
-                            <a:srgbClr val="000000"/>
-                          </a:solidFill>
-                          <a:latin typeface="Public Sans Bold"/>
-                          <a:ea typeface="Public Sans Bold"/>
-                          <a:cs typeface="Public Sans Bold"/>
-                          <a:sym typeface="Public Sans Bold"/>
-                        </a:rPr>
-                        <a:t>Detalle</a:t>
-                      </a:r>
-                      <a:endParaRPr lang="en-US" sz="1100"/>
-                    </a:p>
-                  </a:txBody>
-                  <a:tcPr marL="190500" marR="190500" marT="190500" marB="190500" anchor="ctr">
-                    <a:lnL cmpd="sng" algn="ctr" cap="flat" w="38100">
-                      <a:solidFill>
-                        <a:srgbClr val="000000"/>
-                      </a:solidFill>
-                      <a:prstDash val="solid"/>
-                      <a:round/>
-                      <a:headEnd type="none" w="med" len="med"/>
-                      <a:tailEnd type="none" w="med" len="med"/>
-                    </a:lnL>
-                    <a:lnR cmpd="sng" algn="ctr" cap="flat" w="38100">
-                      <a:solidFill>
-                        <a:srgbClr val="000000"/>
-                      </a:solidFill>
-                      <a:prstDash val="solid"/>
-                      <a:round/>
-                      <a:headEnd type="none" w="med" len="med"/>
-                      <a:tailEnd type="none" w="med" len="med"/>
-                    </a:lnR>
-                    <a:lnT cmpd="sng" algn="ctr" cap="flat" w="38100">
-                      <a:solidFill>
-                        <a:srgbClr val="000000"/>
-                      </a:solidFill>
-                      <a:prstDash val="solid"/>
-                      <a:round/>
-                      <a:headEnd type="none" w="med" len="med"/>
-                      <a:tailEnd type="none" w="med" len="med"/>
-                    </a:lnT>
-                    <a:lnB cmpd="sng" algn="ctr" cap="flat" w="38100">
-                      <a:solidFill>
-                        <a:srgbClr val="000000"/>
-                      </a:solidFill>
-                      <a:prstDash val="solid"/>
-                      <a:round/>
-                      <a:headEnd type="none" w="med" len="med"/>
-                      <a:tailEnd type="none" w="med" len="med"/>
-                    </a:lnB>
-                  </a:tcPr>
-                </a:tc>
-                <a:tc>
-                  <a:txBody>
-                    <a:bodyPr anchor="t" rtlCol="false"/>
-                    <a:lstStyle/>
-                    <a:p>
-                      <a:pPr algn="ctr">
-                        <a:lnSpc>
-                          <a:spcPts val="4480"/>
-                        </a:lnSpc>
-                        <a:defRPr/>
-                      </a:pPr>
-                      <a:r>
-                        <a:rPr lang="en-US" sz="3200" b="true">
-                          <a:solidFill>
-                            <a:srgbClr val="000000"/>
-                          </a:solidFill>
-                          <a:latin typeface="Public Sans Bold"/>
-                          <a:ea typeface="Public Sans Bold"/>
-                          <a:cs typeface="Public Sans Bold"/>
-                          <a:sym typeface="Public Sans Bold"/>
-                        </a:rPr>
-                        <a:t>Métrica</a:t>
-                      </a:r>
-                      <a:endParaRPr lang="en-US" sz="1100"/>
-                    </a:p>
-                  </a:txBody>
-                  <a:tcPr marL="190500" marR="190500" marT="190500" marB="190500" anchor="ctr">
-                    <a:lnL cmpd="sng" algn="ctr" cap="flat" w="38100">
-                      <a:solidFill>
-                        <a:srgbClr val="000000"/>
-                      </a:solidFill>
-                      <a:prstDash val="solid"/>
-                      <a:round/>
-                      <a:headEnd type="none" w="med" len="med"/>
-                      <a:tailEnd type="none" w="med" len="med"/>
-                    </a:lnL>
-                    <a:lnR cmpd="sng" algn="ctr" cap="flat" w="38100">
-                      <a:solidFill>
-                        <a:srgbClr val="000000"/>
-                      </a:solidFill>
-                      <a:prstDash val="solid"/>
-                      <a:round/>
-                      <a:headEnd type="none" w="med" len="med"/>
-                      <a:tailEnd type="none" w="med" len="med"/>
-                    </a:lnR>
-                    <a:lnT cmpd="sng" algn="ctr" cap="flat" w="38100">
-                      <a:solidFill>
-                        <a:srgbClr val="000000"/>
-                      </a:solidFill>
-                      <a:prstDash val="solid"/>
-                      <a:round/>
-                      <a:headEnd type="none" w="med" len="med"/>
-                      <a:tailEnd type="none" w="med" len="med"/>
-                    </a:lnT>
-                    <a:lnB cmpd="sng" algn="ctr" cap="flat" w="38100">
-                      <a:solidFill>
-                        <a:srgbClr val="000000"/>
-                      </a:solidFill>
-                      <a:prstDash val="solid"/>
-                      <a:round/>
-                      <a:headEnd type="none" w="med" len="med"/>
-                      <a:tailEnd type="none" w="med" len="med"/>
-                    </a:lnB>
-                  </a:tcPr>
-                </a:tc>
-                <a:tc>
-                  <a:txBody>
-                    <a:bodyPr anchor="t" rtlCol="false"/>
-                    <a:lstStyle/>
-                    <a:p>
-                      <a:pPr algn="ctr">
-                        <a:lnSpc>
-                          <a:spcPts val="4480"/>
-                        </a:lnSpc>
-                        <a:defRPr/>
-                      </a:pPr>
-                      <a:r>
-                        <a:rPr lang="en-US" sz="3200" b="true">
-                          <a:solidFill>
-                            <a:srgbClr val="000000"/>
-                          </a:solidFill>
-                          <a:latin typeface="Public Sans Bold"/>
-                          <a:ea typeface="Public Sans Bold"/>
-                          <a:cs typeface="Public Sans Bold"/>
-                          <a:sym typeface="Public Sans Bold"/>
-                        </a:rPr>
-                        <a:t>Interesados</a:t>
-                      </a:r>
-                      <a:endParaRPr lang="en-US" sz="1100"/>
-                    </a:p>
-                  </a:txBody>
-                  <a:tcPr marL="190500" marR="190500" marT="190500" marB="190500" anchor="ctr">
-                    <a:lnL cmpd="sng" algn="ctr" cap="flat" w="38100">
-                      <a:solidFill>
-                        <a:srgbClr val="000000"/>
-                      </a:solidFill>
-                      <a:prstDash val="solid"/>
-                      <a:round/>
-                      <a:headEnd type="none" w="med" len="med"/>
-                      <a:tailEnd type="none" w="med" len="med"/>
-                    </a:lnL>
-                    <a:lnR cmpd="sng" algn="ctr" cap="flat" w="38100">
-                      <a:solidFill>
-                        <a:srgbClr val="000000"/>
-                      </a:solidFill>
-                      <a:prstDash val="solid"/>
-                      <a:round/>
-                      <a:headEnd type="none" w="med" len="med"/>
-                      <a:tailEnd type="none" w="med" len="med"/>
-                    </a:lnR>
-                    <a:lnT cmpd="sng" algn="ctr" cap="flat" w="38100">
-                      <a:solidFill>
-                        <a:srgbClr val="000000"/>
-                      </a:solidFill>
-                      <a:prstDash val="solid"/>
-                      <a:round/>
-                      <a:headEnd type="none" w="med" len="med"/>
-                      <a:tailEnd type="none" w="med" len="med"/>
-                    </a:lnT>
-                    <a:lnB cmpd="sng" algn="ctr" cap="flat" w="38100">
-                      <a:solidFill>
-                        <a:srgbClr val="000000"/>
-                      </a:solidFill>
-                      <a:prstDash val="solid"/>
-                      <a:round/>
-                      <a:headEnd type="none" w="med" len="med"/>
-                      <a:tailEnd type="none" w="med" len="med"/>
-                    </a:lnB>
-                  </a:tcPr>
-                </a:tc>
-              </a:tr>
-              <a:tr h="1241639">
-                <a:tc>
-                  <a:txBody>
-                    <a:bodyPr anchor="t" rtlCol="false"/>
-                    <a:lstStyle/>
                     <a:p>
                       <a:pPr algn="ctr">
                         <a:lnSpc>
                           <a:spcPts val="2520"/>
                         </a:lnSpc>
-                        <a:defRPr/>
                       </a:pPr>
                       <a:r>
                         <a:rPr lang="en-US" sz="1800">
@@ -6499,274 +6386,14 @@
                           <a:cs typeface="Public Sans"/>
                           <a:sym typeface="Public Sans"/>
                         </a:rPr>
-                        <a:t>001</a:t>
+                        <a:t>Minciencias</a:t>
                       </a:r>
-                      <a:endParaRPr lang="en-US" sz="1100"/>
                     </a:p>
-                  </a:txBody>
-                  <a:tcPr marL="190500" marR="190500" marT="190500" marB="190500" anchor="ctr">
-                    <a:lnL cmpd="sng" algn="ctr" cap="flat" w="38100">
-                      <a:solidFill>
-                        <a:srgbClr val="000000"/>
-                      </a:solidFill>
-                      <a:prstDash val="solid"/>
-                      <a:round/>
-                      <a:headEnd type="none" w="med" len="med"/>
-                      <a:tailEnd type="none" w="med" len="med"/>
-                    </a:lnL>
-                    <a:lnR cmpd="sng" algn="ctr" cap="flat" w="38100">
-                      <a:solidFill>
-                        <a:srgbClr val="000000"/>
-                      </a:solidFill>
-                      <a:prstDash val="solid"/>
-                      <a:round/>
-                      <a:headEnd type="none" w="med" len="med"/>
-                      <a:tailEnd type="none" w="med" len="med"/>
-                    </a:lnR>
-                    <a:lnT cmpd="sng" algn="ctr" cap="flat" w="38100">
-                      <a:solidFill>
-                        <a:srgbClr val="000000"/>
-                      </a:solidFill>
-                      <a:prstDash val="solid"/>
-                      <a:round/>
-                      <a:headEnd type="none" w="med" len="med"/>
-                      <a:tailEnd type="none" w="med" len="med"/>
-                    </a:lnT>
-                    <a:lnB cmpd="sng" algn="ctr" cap="flat" w="38100">
-                      <a:solidFill>
-                        <a:srgbClr val="000000"/>
-                      </a:solidFill>
-                      <a:prstDash val="solid"/>
-                      <a:round/>
-                      <a:headEnd type="none" w="med" len="med"/>
-                      <a:tailEnd type="none" w="med" len="med"/>
-                    </a:lnB>
-                  </a:tcPr>
-                </a:tc>
-                <a:tc>
-                  <a:txBody>
-                    <a:bodyPr anchor="t" rtlCol="false"/>
-                    <a:lstStyle/>
                     <a:p>
                       <a:pPr algn="ctr">
                         <a:lnSpc>
                           <a:spcPts val="2520"/>
                         </a:lnSpc>
-                        <a:defRPr/>
-                      </a:pPr>
-                      <a:endParaRPr lang="en-US" sz="1100"/>
-                    </a:p>
-                  </a:txBody>
-                  <a:tcPr marL="190500" marR="190500" marT="190500" marB="190500" anchor="ctr">
-                    <a:lnL cmpd="sng" algn="ctr" cap="flat" w="38100">
-                      <a:solidFill>
-                        <a:srgbClr val="000000"/>
-                      </a:solidFill>
-                      <a:prstDash val="solid"/>
-                      <a:round/>
-                      <a:headEnd type="none" w="med" len="med"/>
-                      <a:tailEnd type="none" w="med" len="med"/>
-                    </a:lnL>
-                    <a:lnR cmpd="sng" algn="ctr" cap="flat" w="38100">
-                      <a:solidFill>
-                        <a:srgbClr val="000000"/>
-                      </a:solidFill>
-                      <a:prstDash val="solid"/>
-                      <a:round/>
-                      <a:headEnd type="none" w="med" len="med"/>
-                      <a:tailEnd type="none" w="med" len="med"/>
-                    </a:lnR>
-                    <a:lnT cmpd="sng" algn="ctr" cap="flat" w="38100">
-                      <a:solidFill>
-                        <a:srgbClr val="000000"/>
-                      </a:solidFill>
-                      <a:prstDash val="solid"/>
-                      <a:round/>
-                      <a:headEnd type="none" w="med" len="med"/>
-                      <a:tailEnd type="none" w="med" len="med"/>
-                    </a:lnT>
-                    <a:lnB cmpd="sng" algn="ctr" cap="flat" w="38100">
-                      <a:solidFill>
-                        <a:srgbClr val="000000"/>
-                      </a:solidFill>
-                      <a:prstDash val="solid"/>
-                      <a:round/>
-                      <a:headEnd type="none" w="med" len="med"/>
-                      <a:tailEnd type="none" w="med" len="med"/>
-                    </a:lnB>
-                  </a:tcPr>
-                </a:tc>
-                <a:tc>
-                  <a:txBody>
-                    <a:bodyPr anchor="t" rtlCol="false"/>
-                    <a:lstStyle/>
-                    <a:p>
-                      <a:pPr algn="ctr">
-                        <a:lnSpc>
-                          <a:spcPts val="2520"/>
-                        </a:lnSpc>
-                        <a:defRPr/>
-                      </a:pPr>
-                      <a:endParaRPr lang="en-US" sz="1100"/>
-                    </a:p>
-                  </a:txBody>
-                  <a:tcPr marL="190500" marR="190500" marT="190500" marB="190500" anchor="ctr">
-                    <a:lnL cmpd="sng" algn="ctr" cap="flat" w="38100">
-                      <a:solidFill>
-                        <a:srgbClr val="000000"/>
-                      </a:solidFill>
-                      <a:prstDash val="solid"/>
-                      <a:round/>
-                      <a:headEnd type="none" w="med" len="med"/>
-                      <a:tailEnd type="none" w="med" len="med"/>
-                    </a:lnL>
-                    <a:lnR cmpd="sng" algn="ctr" cap="flat" w="38100">
-                      <a:solidFill>
-                        <a:srgbClr val="000000"/>
-                      </a:solidFill>
-                      <a:prstDash val="solid"/>
-                      <a:round/>
-                      <a:headEnd type="none" w="med" len="med"/>
-                      <a:tailEnd type="none" w="med" len="med"/>
-                    </a:lnR>
-                    <a:lnT cmpd="sng" algn="ctr" cap="flat" w="38100">
-                      <a:solidFill>
-                        <a:srgbClr val="000000"/>
-                      </a:solidFill>
-                      <a:prstDash val="solid"/>
-                      <a:round/>
-                      <a:headEnd type="none" w="med" len="med"/>
-                      <a:tailEnd type="none" w="med" len="med"/>
-                    </a:lnT>
-                    <a:lnB cmpd="sng" algn="ctr" cap="flat" w="38100">
-                      <a:solidFill>
-                        <a:srgbClr val="000000"/>
-                      </a:solidFill>
-                      <a:prstDash val="solid"/>
-                      <a:round/>
-                      <a:headEnd type="none" w="med" len="med"/>
-                      <a:tailEnd type="none" w="med" len="med"/>
-                    </a:lnB>
-                  </a:tcPr>
-                </a:tc>
-                <a:tc>
-                  <a:txBody>
-                    <a:bodyPr anchor="t" rtlCol="false"/>
-                    <a:lstStyle/>
-                    <a:p>
-                      <a:pPr algn="ctr">
-                        <a:lnSpc>
-                          <a:spcPts val="2520"/>
-                        </a:lnSpc>
-                        <a:defRPr/>
-                      </a:pPr>
-                      <a:endParaRPr lang="en-US" sz="1100"/>
-                    </a:p>
-                  </a:txBody>
-                  <a:tcPr marL="190500" marR="190500" marT="190500" marB="190500" anchor="ctr">
-                    <a:lnL cmpd="sng" algn="ctr" cap="flat" w="38100">
-                      <a:solidFill>
-                        <a:srgbClr val="000000"/>
-                      </a:solidFill>
-                      <a:prstDash val="solid"/>
-                      <a:round/>
-                      <a:headEnd type="none" w="med" len="med"/>
-                      <a:tailEnd type="none" w="med" len="med"/>
-                    </a:lnL>
-                    <a:lnR cmpd="sng" algn="ctr" cap="flat" w="38100">
-                      <a:solidFill>
-                        <a:srgbClr val="000000"/>
-                      </a:solidFill>
-                      <a:prstDash val="solid"/>
-                      <a:round/>
-                      <a:headEnd type="none" w="med" len="med"/>
-                      <a:tailEnd type="none" w="med" len="med"/>
-                    </a:lnR>
-                    <a:lnT cmpd="sng" algn="ctr" cap="flat" w="38100">
-                      <a:solidFill>
-                        <a:srgbClr val="000000"/>
-                      </a:solidFill>
-                      <a:prstDash val="solid"/>
-                      <a:round/>
-                      <a:headEnd type="none" w="med" len="med"/>
-                      <a:tailEnd type="none" w="med" len="med"/>
-                    </a:lnT>
-                    <a:lnB cmpd="sng" algn="ctr" cap="flat" w="38100">
-                      <a:solidFill>
-                        <a:srgbClr val="000000"/>
-                      </a:solidFill>
-                      <a:prstDash val="solid"/>
-                      <a:round/>
-                      <a:headEnd type="none" w="med" len="med"/>
-                      <a:tailEnd type="none" w="med" len="med"/>
-                    </a:lnB>
-                  </a:tcPr>
-                </a:tc>
-                <a:tc>
-                  <a:txBody>
-                    <a:bodyPr anchor="t" rtlCol="false"/>
-                    <a:lstStyle/>
-                    <a:p>
-                      <a:pPr algn="ctr">
-                        <a:lnSpc>
-                          <a:spcPts val="2520"/>
-                        </a:lnSpc>
-                        <a:defRPr/>
-                      </a:pPr>
-                      <a:endParaRPr lang="en-US" sz="1100"/>
-                    </a:p>
-                  </a:txBody>
-                  <a:tcPr marL="190500" marR="190500" marT="190500" marB="190500" anchor="ctr">
-                    <a:lnL cmpd="sng" algn="ctr" cap="flat" w="38100">
-                      <a:solidFill>
-                        <a:srgbClr val="000000"/>
-                      </a:solidFill>
-                      <a:prstDash val="solid"/>
-                      <a:round/>
-                      <a:headEnd type="none" w="med" len="med"/>
-                      <a:tailEnd type="none" w="med" len="med"/>
-                    </a:lnL>
-                    <a:lnR cmpd="sng" algn="ctr" cap="flat" w="38100">
-                      <a:solidFill>
-                        <a:srgbClr val="000000"/>
-                      </a:solidFill>
-                      <a:prstDash val="solid"/>
-                      <a:round/>
-                      <a:headEnd type="none" w="med" len="med"/>
-                      <a:tailEnd type="none" w="med" len="med"/>
-                    </a:lnR>
-                    <a:lnT cmpd="sng" algn="ctr" cap="flat" w="38100">
-                      <a:solidFill>
-                        <a:srgbClr val="000000"/>
-                      </a:solidFill>
-                      <a:prstDash val="solid"/>
-                      <a:round/>
-                      <a:headEnd type="none" w="med" len="med"/>
-                      <a:tailEnd type="none" w="med" len="med"/>
-                    </a:lnT>
-                    <a:lnB cmpd="sng" algn="ctr" cap="flat" w="38100">
-                      <a:solidFill>
-                        <a:srgbClr val="000000"/>
-                      </a:solidFill>
-                      <a:prstDash val="solid"/>
-                      <a:round/>
-                      <a:headEnd type="none" w="med" len="med"/>
-                      <a:tailEnd type="none" w="med" len="med"/>
-                    </a:lnB>
-                  </a:tcPr>
-                </a:tc>
-              </a:tr>
-              <a:tr h="1237843">
-                <a:tc>
-                  <a:txBody>
-                    <a:bodyPr anchor="t" rtlCol="false"/>
-                    <a:lstStyle/>
-                    <a:p>
-                      <a:pPr algn="ctr">
-                        <a:lnSpc>
-                          <a:spcPts val="2520"/>
-                        </a:lnSpc>
-                        <a:defRPr/>
                       </a:pPr>
                       <a:r>
                         <a:rPr lang="en-US" sz="1800">
@@ -6778,1094 +6405,8 @@
                           <a:cs typeface="Public Sans"/>
                           <a:sym typeface="Public Sans"/>
                         </a:rPr>
-                        <a:t>002</a:t>
+                        <a:t>Ministerio de Salud y Protección Social</a:t>
                       </a:r>
-                      <a:endParaRPr lang="en-US" sz="1100"/>
-                    </a:p>
-                  </a:txBody>
-                  <a:tcPr marL="190500" marR="190500" marT="190500" marB="190500" anchor="ctr">
-                    <a:lnL cmpd="sng" algn="ctr" cap="flat" w="38100">
-                      <a:solidFill>
-                        <a:srgbClr val="000000"/>
-                      </a:solidFill>
-                      <a:prstDash val="solid"/>
-                      <a:round/>
-                      <a:headEnd type="none" w="med" len="med"/>
-                      <a:tailEnd type="none" w="med" len="med"/>
-                    </a:lnL>
-                    <a:lnR cmpd="sng" algn="ctr" cap="flat" w="38100">
-                      <a:solidFill>
-                        <a:srgbClr val="000000"/>
-                      </a:solidFill>
-                      <a:prstDash val="solid"/>
-                      <a:round/>
-                      <a:headEnd type="none" w="med" len="med"/>
-                      <a:tailEnd type="none" w="med" len="med"/>
-                    </a:lnR>
-                    <a:lnT cmpd="sng" algn="ctr" cap="flat" w="38100">
-                      <a:solidFill>
-                        <a:srgbClr val="000000"/>
-                      </a:solidFill>
-                      <a:prstDash val="solid"/>
-                      <a:round/>
-                      <a:headEnd type="none" w="med" len="med"/>
-                      <a:tailEnd type="none" w="med" len="med"/>
-                    </a:lnT>
-                    <a:lnB cmpd="sng" algn="ctr" cap="flat" w="38100">
-                      <a:solidFill>
-                        <a:srgbClr val="000000"/>
-                      </a:solidFill>
-                      <a:prstDash val="solid"/>
-                      <a:round/>
-                      <a:headEnd type="none" w="med" len="med"/>
-                      <a:tailEnd type="none" w="med" len="med"/>
-                    </a:lnB>
-                  </a:tcPr>
-                </a:tc>
-                <a:tc>
-                  <a:txBody>
-                    <a:bodyPr anchor="t" rtlCol="false"/>
-                    <a:lstStyle/>
-                    <a:p>
-                      <a:pPr algn="l">
-                        <a:lnSpc>
-                          <a:spcPts val="2520"/>
-                        </a:lnSpc>
-                        <a:defRPr/>
-                      </a:pPr>
-                      <a:r>
-                        <a:rPr lang="en-US" sz="1800">
-                          <a:solidFill>
-                            <a:srgbClr val="000000"/>
-                          </a:solidFill>
-                          <a:latin typeface="Public Sans"/>
-                          <a:ea typeface="Public Sans"/>
-                          <a:cs typeface="Public Sans"/>
-                          <a:sym typeface="Public Sans"/>
-                        </a:rPr>
-                        <a:t>Cifrado en la comunicación</a:t>
-                      </a:r>
-                      <a:endParaRPr lang="en-US" sz="1100"/>
-                    </a:p>
-                  </a:txBody>
-                  <a:tcPr marL="190500" marR="190500" marT="190500" marB="190500" anchor="ctr">
-                    <a:lnL cmpd="sng" algn="ctr" cap="flat" w="38100">
-                      <a:solidFill>
-                        <a:srgbClr val="000000"/>
-                      </a:solidFill>
-                      <a:prstDash val="solid"/>
-                      <a:round/>
-                      <a:headEnd type="none" w="med" len="med"/>
-                      <a:tailEnd type="none" w="med" len="med"/>
-                    </a:lnL>
-                    <a:lnR cmpd="sng" algn="ctr" cap="flat" w="38100">
-                      <a:solidFill>
-                        <a:srgbClr val="000000"/>
-                      </a:solidFill>
-                      <a:prstDash val="solid"/>
-                      <a:round/>
-                      <a:headEnd type="none" w="med" len="med"/>
-                      <a:tailEnd type="none" w="med" len="med"/>
-                    </a:lnR>
-                    <a:lnT cmpd="sng" algn="ctr" cap="flat" w="38100">
-                      <a:solidFill>
-                        <a:srgbClr val="000000"/>
-                      </a:solidFill>
-                      <a:prstDash val="solid"/>
-                      <a:round/>
-                      <a:headEnd type="none" w="med" len="med"/>
-                      <a:tailEnd type="none" w="med" len="med"/>
-                    </a:lnT>
-                    <a:lnB cmpd="sng" algn="ctr" cap="flat" w="38100">
-                      <a:solidFill>
-                        <a:srgbClr val="000000"/>
-                      </a:solidFill>
-                      <a:prstDash val="solid"/>
-                      <a:round/>
-                      <a:headEnd type="none" w="med" len="med"/>
-                      <a:tailEnd type="none" w="med" len="med"/>
-                    </a:lnB>
-                  </a:tcPr>
-                </a:tc>
-                <a:tc>
-                  <a:txBody>
-                    <a:bodyPr anchor="t" rtlCol="false"/>
-                    <a:lstStyle/>
-                    <a:p>
-                      <a:pPr algn="ctr">
-                        <a:lnSpc>
-                          <a:spcPts val="2520"/>
-                        </a:lnSpc>
-                        <a:defRPr/>
-                      </a:pPr>
-                      <a:endParaRPr lang="en-US" sz="1100"/>
-                    </a:p>
-                  </a:txBody>
-                  <a:tcPr marL="190500" marR="190500" marT="190500" marB="190500" anchor="ctr">
-                    <a:lnL cmpd="sng" algn="ctr" cap="flat" w="38100">
-                      <a:solidFill>
-                        <a:srgbClr val="000000"/>
-                      </a:solidFill>
-                      <a:prstDash val="solid"/>
-                      <a:round/>
-                      <a:headEnd type="none" w="med" len="med"/>
-                      <a:tailEnd type="none" w="med" len="med"/>
-                    </a:lnL>
-                    <a:lnR cmpd="sng" algn="ctr" cap="flat" w="38100">
-                      <a:solidFill>
-                        <a:srgbClr val="000000"/>
-                      </a:solidFill>
-                      <a:prstDash val="solid"/>
-                      <a:round/>
-                      <a:headEnd type="none" w="med" len="med"/>
-                      <a:tailEnd type="none" w="med" len="med"/>
-                    </a:lnR>
-                    <a:lnT cmpd="sng" algn="ctr" cap="flat" w="38100">
-                      <a:solidFill>
-                        <a:srgbClr val="000000"/>
-                      </a:solidFill>
-                      <a:prstDash val="solid"/>
-                      <a:round/>
-                      <a:headEnd type="none" w="med" len="med"/>
-                      <a:tailEnd type="none" w="med" len="med"/>
-                    </a:lnT>
-                    <a:lnB cmpd="sng" algn="ctr" cap="flat" w="38100">
-                      <a:solidFill>
-                        <a:srgbClr val="000000"/>
-                      </a:solidFill>
-                      <a:prstDash val="solid"/>
-                      <a:round/>
-                      <a:headEnd type="none" w="med" len="med"/>
-                      <a:tailEnd type="none" w="med" len="med"/>
-                    </a:lnB>
-                  </a:tcPr>
-                </a:tc>
-                <a:tc>
-                  <a:txBody>
-                    <a:bodyPr anchor="t" rtlCol="false"/>
-                    <a:lstStyle/>
-                    <a:p>
-                      <a:pPr algn="ctr">
-                        <a:lnSpc>
-                          <a:spcPts val="2520"/>
-                        </a:lnSpc>
-                        <a:defRPr/>
-                      </a:pPr>
-                      <a:endParaRPr lang="en-US" sz="1100"/>
-                    </a:p>
-                  </a:txBody>
-                  <a:tcPr marL="190500" marR="190500" marT="190500" marB="190500" anchor="ctr">
-                    <a:lnL cmpd="sng" algn="ctr" cap="flat" w="38100">
-                      <a:solidFill>
-                        <a:srgbClr val="000000"/>
-                      </a:solidFill>
-                      <a:prstDash val="solid"/>
-                      <a:round/>
-                      <a:headEnd type="none" w="med" len="med"/>
-                      <a:tailEnd type="none" w="med" len="med"/>
-                    </a:lnL>
-                    <a:lnR cmpd="sng" algn="ctr" cap="flat" w="38100">
-                      <a:solidFill>
-                        <a:srgbClr val="000000"/>
-                      </a:solidFill>
-                      <a:prstDash val="solid"/>
-                      <a:round/>
-                      <a:headEnd type="none" w="med" len="med"/>
-                      <a:tailEnd type="none" w="med" len="med"/>
-                    </a:lnR>
-                    <a:lnT cmpd="sng" algn="ctr" cap="flat" w="38100">
-                      <a:solidFill>
-                        <a:srgbClr val="000000"/>
-                      </a:solidFill>
-                      <a:prstDash val="solid"/>
-                      <a:round/>
-                      <a:headEnd type="none" w="med" len="med"/>
-                      <a:tailEnd type="none" w="med" len="med"/>
-                    </a:lnT>
-                    <a:lnB cmpd="sng" algn="ctr" cap="flat" w="38100">
-                      <a:solidFill>
-                        <a:srgbClr val="000000"/>
-                      </a:solidFill>
-                      <a:prstDash val="solid"/>
-                      <a:round/>
-                      <a:headEnd type="none" w="med" len="med"/>
-                      <a:tailEnd type="none" w="med" len="med"/>
-                    </a:lnB>
-                  </a:tcPr>
-                </a:tc>
-                <a:tc>
-                  <a:txBody>
-                    <a:bodyPr anchor="t" rtlCol="false"/>
-                    <a:lstStyle/>
-                    <a:p>
-                      <a:pPr algn="ctr">
-                        <a:lnSpc>
-                          <a:spcPts val="2520"/>
-                        </a:lnSpc>
-                        <a:defRPr/>
-                      </a:pPr>
-                      <a:endParaRPr lang="en-US" sz="1100"/>
-                    </a:p>
-                  </a:txBody>
-                  <a:tcPr marL="190500" marR="190500" marT="190500" marB="190500" anchor="ctr">
-                    <a:lnL cmpd="sng" algn="ctr" cap="flat" w="38100">
-                      <a:solidFill>
-                        <a:srgbClr val="000000"/>
-                      </a:solidFill>
-                      <a:prstDash val="solid"/>
-                      <a:round/>
-                      <a:headEnd type="none" w="med" len="med"/>
-                      <a:tailEnd type="none" w="med" len="med"/>
-                    </a:lnL>
-                    <a:lnR cmpd="sng" algn="ctr" cap="flat" w="38100">
-                      <a:solidFill>
-                        <a:srgbClr val="000000"/>
-                      </a:solidFill>
-                      <a:prstDash val="solid"/>
-                      <a:round/>
-                      <a:headEnd type="none" w="med" len="med"/>
-                      <a:tailEnd type="none" w="med" len="med"/>
-                    </a:lnR>
-                    <a:lnT cmpd="sng" algn="ctr" cap="flat" w="38100">
-                      <a:solidFill>
-                        <a:srgbClr val="000000"/>
-                      </a:solidFill>
-                      <a:prstDash val="solid"/>
-                      <a:round/>
-                      <a:headEnd type="none" w="med" len="med"/>
-                      <a:tailEnd type="none" w="med" len="med"/>
-                    </a:lnT>
-                    <a:lnB cmpd="sng" algn="ctr" cap="flat" w="38100">
-                      <a:solidFill>
-                        <a:srgbClr val="000000"/>
-                      </a:solidFill>
-                      <a:prstDash val="solid"/>
-                      <a:round/>
-                      <a:headEnd type="none" w="med" len="med"/>
-                      <a:tailEnd type="none" w="med" len="med"/>
-                    </a:lnB>
-                  </a:tcPr>
-                </a:tc>
-              </a:tr>
-              <a:tr h="1344348">
-                <a:tc>
-                  <a:txBody>
-                    <a:bodyPr anchor="t" rtlCol="false"/>
-                    <a:lstStyle/>
-                    <a:p>
-                      <a:pPr algn="ctr">
-                        <a:lnSpc>
-                          <a:spcPts val="2520"/>
-                        </a:lnSpc>
-                        <a:defRPr/>
-                      </a:pPr>
-                      <a:r>
-                        <a:rPr lang="en-US" sz="1800">
-                          <a:solidFill>
-                            <a:srgbClr val="000000"/>
-                          </a:solidFill>
-                          <a:latin typeface="Public Sans"/>
-                          <a:ea typeface="Public Sans"/>
-                          <a:cs typeface="Public Sans"/>
-                          <a:sym typeface="Public Sans"/>
-                        </a:rPr>
-                        <a:t>003</a:t>
-                      </a:r>
-                      <a:endParaRPr lang="en-US" sz="1100"/>
-                    </a:p>
-                  </a:txBody>
-                  <a:tcPr marL="190500" marR="190500" marT="190500" marB="190500" anchor="ctr">
-                    <a:lnL cmpd="sng" algn="ctr" cap="flat" w="38100">
-                      <a:solidFill>
-                        <a:srgbClr val="000000"/>
-                      </a:solidFill>
-                      <a:prstDash val="solid"/>
-                      <a:round/>
-                      <a:headEnd type="none" w="med" len="med"/>
-                      <a:tailEnd type="none" w="med" len="med"/>
-                    </a:lnL>
-                    <a:lnR cmpd="sng" algn="ctr" cap="flat" w="38100">
-                      <a:solidFill>
-                        <a:srgbClr val="000000"/>
-                      </a:solidFill>
-                      <a:prstDash val="solid"/>
-                      <a:round/>
-                      <a:headEnd type="none" w="med" len="med"/>
-                      <a:tailEnd type="none" w="med" len="med"/>
-                    </a:lnR>
-                    <a:lnT cmpd="sng" algn="ctr" cap="flat" w="38100">
-                      <a:solidFill>
-                        <a:srgbClr val="000000"/>
-                      </a:solidFill>
-                      <a:prstDash val="solid"/>
-                      <a:round/>
-                      <a:headEnd type="none" w="med" len="med"/>
-                      <a:tailEnd type="none" w="med" len="med"/>
-                    </a:lnT>
-                    <a:lnB cmpd="sng" algn="ctr" cap="flat" w="38100">
-                      <a:solidFill>
-                        <a:srgbClr val="000000"/>
-                      </a:solidFill>
-                      <a:prstDash val="solid"/>
-                      <a:round/>
-                      <a:headEnd type="none" w="med" len="med"/>
-                      <a:tailEnd type="none" w="med" len="med"/>
-                    </a:lnB>
-                  </a:tcPr>
-                </a:tc>
-                <a:tc>
-                  <a:txBody>
-                    <a:bodyPr anchor="t" rtlCol="false"/>
-                    <a:lstStyle/>
-                    <a:p>
-                      <a:pPr algn="ctr">
-                        <a:lnSpc>
-                          <a:spcPts val="2520"/>
-                        </a:lnSpc>
-                        <a:defRPr/>
-                      </a:pPr>
-                      <a:r>
-                        <a:rPr lang="en-US" sz="1800">
-                          <a:solidFill>
-                            <a:srgbClr val="000000"/>
-                          </a:solidFill>
-                          <a:latin typeface="Public Sans"/>
-                          <a:ea typeface="Public Sans"/>
-                          <a:cs typeface="Public Sans"/>
-                          <a:sym typeface="Public Sans"/>
-                        </a:rPr>
-                        <a:t>Proteccion de datos</a:t>
-                      </a:r>
-                      <a:endParaRPr lang="en-US" sz="1100"/>
-                    </a:p>
-                  </a:txBody>
-                  <a:tcPr marL="190500" marR="190500" marT="190500" marB="190500" anchor="ctr">
-                    <a:lnL cmpd="sng" algn="ctr" cap="flat" w="38100">
-                      <a:solidFill>
-                        <a:srgbClr val="000000"/>
-                      </a:solidFill>
-                      <a:prstDash val="solid"/>
-                      <a:round/>
-                      <a:headEnd type="none" w="med" len="med"/>
-                      <a:tailEnd type="none" w="med" len="med"/>
-                    </a:lnL>
-                    <a:lnR cmpd="sng" algn="ctr" cap="flat" w="38100">
-                      <a:solidFill>
-                        <a:srgbClr val="000000"/>
-                      </a:solidFill>
-                      <a:prstDash val="solid"/>
-                      <a:round/>
-                      <a:headEnd type="none" w="med" len="med"/>
-                      <a:tailEnd type="none" w="med" len="med"/>
-                    </a:lnR>
-                    <a:lnT cmpd="sng" algn="ctr" cap="flat" w="38100">
-                      <a:solidFill>
-                        <a:srgbClr val="000000"/>
-                      </a:solidFill>
-                      <a:prstDash val="solid"/>
-                      <a:round/>
-                      <a:headEnd type="none" w="med" len="med"/>
-                      <a:tailEnd type="none" w="med" len="med"/>
-                    </a:lnT>
-                    <a:lnB cmpd="sng" algn="ctr" cap="flat" w="38100">
-                      <a:solidFill>
-                        <a:srgbClr val="000000"/>
-                      </a:solidFill>
-                      <a:prstDash val="solid"/>
-                      <a:round/>
-                      <a:headEnd type="none" w="med" len="med"/>
-                      <a:tailEnd type="none" w="med" len="med"/>
-                    </a:lnB>
-                  </a:tcPr>
-                </a:tc>
-                <a:tc>
-                  <a:txBody>
-                    <a:bodyPr anchor="t" rtlCol="false"/>
-                    <a:lstStyle/>
-                    <a:p>
-                      <a:pPr algn="ctr">
-                        <a:lnSpc>
-                          <a:spcPts val="2520"/>
-                        </a:lnSpc>
-                        <a:defRPr/>
-                      </a:pPr>
-                      <a:endParaRPr lang="en-US" sz="1100"/>
-                    </a:p>
-                  </a:txBody>
-                  <a:tcPr marL="190500" marR="190500" marT="190500" marB="190500" anchor="ctr">
-                    <a:lnL cmpd="sng" algn="ctr" cap="flat" w="38100">
-                      <a:solidFill>
-                        <a:srgbClr val="000000"/>
-                      </a:solidFill>
-                      <a:prstDash val="solid"/>
-                      <a:round/>
-                      <a:headEnd type="none" w="med" len="med"/>
-                      <a:tailEnd type="none" w="med" len="med"/>
-                    </a:lnL>
-                    <a:lnR cmpd="sng" algn="ctr" cap="flat" w="38100">
-                      <a:solidFill>
-                        <a:srgbClr val="000000"/>
-                      </a:solidFill>
-                      <a:prstDash val="solid"/>
-                      <a:round/>
-                      <a:headEnd type="none" w="med" len="med"/>
-                      <a:tailEnd type="none" w="med" len="med"/>
-                    </a:lnR>
-                    <a:lnT cmpd="sng" algn="ctr" cap="flat" w="38100">
-                      <a:solidFill>
-                        <a:srgbClr val="000000"/>
-                      </a:solidFill>
-                      <a:prstDash val="solid"/>
-                      <a:round/>
-                      <a:headEnd type="none" w="med" len="med"/>
-                      <a:tailEnd type="none" w="med" len="med"/>
-                    </a:lnT>
-                    <a:lnB cmpd="sng" algn="ctr" cap="flat" w="38100">
-                      <a:solidFill>
-                        <a:srgbClr val="000000"/>
-                      </a:solidFill>
-                      <a:prstDash val="solid"/>
-                      <a:round/>
-                      <a:headEnd type="none" w="med" len="med"/>
-                      <a:tailEnd type="none" w="med" len="med"/>
-                    </a:lnB>
-                  </a:tcPr>
-                </a:tc>
-                <a:tc>
-                  <a:txBody>
-                    <a:bodyPr anchor="t" rtlCol="false"/>
-                    <a:lstStyle/>
-                    <a:p>
-                      <a:pPr algn="ctr">
-                        <a:lnSpc>
-                          <a:spcPts val="2520"/>
-                        </a:lnSpc>
-                        <a:defRPr/>
-                      </a:pPr>
-                      <a:endParaRPr lang="en-US" sz="1100"/>
-                    </a:p>
-                  </a:txBody>
-                  <a:tcPr marL="190500" marR="190500" marT="190500" marB="190500" anchor="ctr">
-                    <a:lnL cmpd="sng" algn="ctr" cap="flat" w="38100">
-                      <a:solidFill>
-                        <a:srgbClr val="000000"/>
-                      </a:solidFill>
-                      <a:prstDash val="solid"/>
-                      <a:round/>
-                      <a:headEnd type="none" w="med" len="med"/>
-                      <a:tailEnd type="none" w="med" len="med"/>
-                    </a:lnL>
-                    <a:lnR cmpd="sng" algn="ctr" cap="flat" w="38100">
-                      <a:solidFill>
-                        <a:srgbClr val="000000"/>
-                      </a:solidFill>
-                      <a:prstDash val="solid"/>
-                      <a:round/>
-                      <a:headEnd type="none" w="med" len="med"/>
-                      <a:tailEnd type="none" w="med" len="med"/>
-                    </a:lnR>
-                    <a:lnT cmpd="sng" algn="ctr" cap="flat" w="38100">
-                      <a:solidFill>
-                        <a:srgbClr val="000000"/>
-                      </a:solidFill>
-                      <a:prstDash val="solid"/>
-                      <a:round/>
-                      <a:headEnd type="none" w="med" len="med"/>
-                      <a:tailEnd type="none" w="med" len="med"/>
-                    </a:lnT>
-                    <a:lnB cmpd="sng" algn="ctr" cap="flat" w="38100">
-                      <a:solidFill>
-                        <a:srgbClr val="000000"/>
-                      </a:solidFill>
-                      <a:prstDash val="solid"/>
-                      <a:round/>
-                      <a:headEnd type="none" w="med" len="med"/>
-                      <a:tailEnd type="none" w="med" len="med"/>
-                    </a:lnB>
-                  </a:tcPr>
-                </a:tc>
-                <a:tc>
-                  <a:txBody>
-                    <a:bodyPr anchor="t" rtlCol="false"/>
-                    <a:lstStyle/>
-                    <a:p>
-                      <a:pPr algn="ctr">
-                        <a:lnSpc>
-                          <a:spcPts val="2520"/>
-                        </a:lnSpc>
-                        <a:defRPr/>
-                      </a:pPr>
-                      <a:endParaRPr lang="en-US" sz="1100"/>
-                    </a:p>
-                  </a:txBody>
-                  <a:tcPr marL="190500" marR="190500" marT="190500" marB="190500" anchor="ctr">
-                    <a:lnL cmpd="sng" algn="ctr" cap="flat" w="38100">
-                      <a:solidFill>
-                        <a:srgbClr val="000000"/>
-                      </a:solidFill>
-                      <a:prstDash val="solid"/>
-                      <a:round/>
-                      <a:headEnd type="none" w="med" len="med"/>
-                      <a:tailEnd type="none" w="med" len="med"/>
-                    </a:lnL>
-                    <a:lnR cmpd="sng" algn="ctr" cap="flat" w="38100">
-                      <a:solidFill>
-                        <a:srgbClr val="000000"/>
-                      </a:solidFill>
-                      <a:prstDash val="solid"/>
-                      <a:round/>
-                      <a:headEnd type="none" w="med" len="med"/>
-                      <a:tailEnd type="none" w="med" len="med"/>
-                    </a:lnR>
-                    <a:lnT cmpd="sng" algn="ctr" cap="flat" w="38100">
-                      <a:solidFill>
-                        <a:srgbClr val="000000"/>
-                      </a:solidFill>
-                      <a:prstDash val="solid"/>
-                      <a:round/>
-                      <a:headEnd type="none" w="med" len="med"/>
-                      <a:tailEnd type="none" w="med" len="med"/>
-                    </a:lnT>
-                    <a:lnB cmpd="sng" algn="ctr" cap="flat" w="38100">
-                      <a:solidFill>
-                        <a:srgbClr val="000000"/>
-                      </a:solidFill>
-                      <a:prstDash val="solid"/>
-                      <a:round/>
-                      <a:headEnd type="none" w="med" len="med"/>
-                      <a:tailEnd type="none" w="med" len="med"/>
-                    </a:lnB>
-                  </a:tcPr>
-                </a:tc>
-              </a:tr>
-              <a:tr h="1344348">
-                <a:tc>
-                  <a:txBody>
-                    <a:bodyPr anchor="t" rtlCol="false"/>
-                    <a:lstStyle/>
-                    <a:p>
-                      <a:pPr algn="ctr">
-                        <a:lnSpc>
-                          <a:spcPts val="2520"/>
-                        </a:lnSpc>
-                        <a:defRPr/>
-                      </a:pPr>
-                      <a:r>
-                        <a:rPr lang="en-US" sz="1800">
-                          <a:solidFill>
-                            <a:srgbClr val="000000"/>
-                          </a:solidFill>
-                          <a:latin typeface="Public Sans"/>
-                          <a:ea typeface="Public Sans"/>
-                          <a:cs typeface="Public Sans"/>
-                          <a:sym typeface="Public Sans"/>
-                        </a:rPr>
-                        <a:t>004</a:t>
-                      </a:r>
-                      <a:endParaRPr lang="en-US" sz="1100"/>
-                    </a:p>
-                  </a:txBody>
-                  <a:tcPr marL="190500" marR="190500" marT="190500" marB="190500" anchor="ctr">
-                    <a:lnL cmpd="sng" algn="ctr" cap="flat" w="38100">
-                      <a:solidFill>
-                        <a:srgbClr val="000000"/>
-                      </a:solidFill>
-                      <a:prstDash val="solid"/>
-                      <a:round/>
-                      <a:headEnd type="none" w="med" len="med"/>
-                      <a:tailEnd type="none" w="med" len="med"/>
-                    </a:lnL>
-                    <a:lnR cmpd="sng" algn="ctr" cap="flat" w="38100">
-                      <a:solidFill>
-                        <a:srgbClr val="000000"/>
-                      </a:solidFill>
-                      <a:prstDash val="solid"/>
-                      <a:round/>
-                      <a:headEnd type="none" w="med" len="med"/>
-                      <a:tailEnd type="none" w="med" len="med"/>
-                    </a:lnR>
-                    <a:lnT cmpd="sng" algn="ctr" cap="flat" w="38100">
-                      <a:solidFill>
-                        <a:srgbClr val="000000"/>
-                      </a:solidFill>
-                      <a:prstDash val="solid"/>
-                      <a:round/>
-                      <a:headEnd type="none" w="med" len="med"/>
-                      <a:tailEnd type="none" w="med" len="med"/>
-                    </a:lnT>
-                    <a:lnB cmpd="sng" algn="ctr" cap="flat" w="38100">
-                      <a:solidFill>
-                        <a:srgbClr val="000000"/>
-                      </a:solidFill>
-                      <a:prstDash val="solid"/>
-                      <a:round/>
-                      <a:headEnd type="none" w="med" len="med"/>
-                      <a:tailEnd type="none" w="med" len="med"/>
-                    </a:lnB>
-                  </a:tcPr>
-                </a:tc>
-                <a:tc>
-                  <a:txBody>
-                    <a:bodyPr anchor="t" rtlCol="false"/>
-                    <a:lstStyle/>
-                    <a:p>
-                      <a:pPr algn="ctr">
-                        <a:lnSpc>
-                          <a:spcPts val="2520"/>
-                        </a:lnSpc>
-                        <a:defRPr/>
-                      </a:pPr>
-                      <a:r>
-                        <a:rPr lang="en-US" sz="1800">
-                          <a:solidFill>
-                            <a:srgbClr val="000000"/>
-                          </a:solidFill>
-                          <a:latin typeface="Public Sans"/>
-                          <a:ea typeface="Public Sans"/>
-                          <a:cs typeface="Public Sans"/>
-                          <a:sym typeface="Public Sans"/>
-                        </a:rPr>
-                        <a:t>Prose</a:t>
-                      </a:r>
-                      <a:endParaRPr lang="en-US" sz="1100"/>
-                    </a:p>
-                  </a:txBody>
-                  <a:tcPr marL="190500" marR="190500" marT="190500" marB="190500" anchor="ctr">
-                    <a:lnL cmpd="sng" algn="ctr" cap="flat" w="38100">
-                      <a:solidFill>
-                        <a:srgbClr val="000000"/>
-                      </a:solidFill>
-                      <a:prstDash val="solid"/>
-                      <a:round/>
-                      <a:headEnd type="none" w="med" len="med"/>
-                      <a:tailEnd type="none" w="med" len="med"/>
-                    </a:lnL>
-                    <a:lnR cmpd="sng" algn="ctr" cap="flat" w="38100">
-                      <a:solidFill>
-                        <a:srgbClr val="000000"/>
-                      </a:solidFill>
-                      <a:prstDash val="solid"/>
-                      <a:round/>
-                      <a:headEnd type="none" w="med" len="med"/>
-                      <a:tailEnd type="none" w="med" len="med"/>
-                    </a:lnR>
-                    <a:lnT cmpd="sng" algn="ctr" cap="flat" w="38100">
-                      <a:solidFill>
-                        <a:srgbClr val="000000"/>
-                      </a:solidFill>
-                      <a:prstDash val="solid"/>
-                      <a:round/>
-                      <a:headEnd type="none" w="med" len="med"/>
-                      <a:tailEnd type="none" w="med" len="med"/>
-                    </a:lnT>
-                    <a:lnB cmpd="sng" algn="ctr" cap="flat" w="38100">
-                      <a:solidFill>
-                        <a:srgbClr val="000000"/>
-                      </a:solidFill>
-                      <a:prstDash val="solid"/>
-                      <a:round/>
-                      <a:headEnd type="none" w="med" len="med"/>
-                      <a:tailEnd type="none" w="med" len="med"/>
-                    </a:lnB>
-                  </a:tcPr>
-                </a:tc>
-                <a:tc>
-                  <a:txBody>
-                    <a:bodyPr anchor="t" rtlCol="false"/>
-                    <a:lstStyle/>
-                    <a:p>
-                      <a:pPr algn="ctr">
-                        <a:lnSpc>
-                          <a:spcPts val="2520"/>
-                        </a:lnSpc>
-                        <a:defRPr/>
-                      </a:pPr>
-                      <a:endParaRPr lang="en-US" sz="1100"/>
-                    </a:p>
-                  </a:txBody>
-                  <a:tcPr marL="190500" marR="190500" marT="190500" marB="190500" anchor="ctr">
-                    <a:lnL cmpd="sng" algn="ctr" cap="flat" w="38100">
-                      <a:solidFill>
-                        <a:srgbClr val="000000"/>
-                      </a:solidFill>
-                      <a:prstDash val="solid"/>
-                      <a:round/>
-                      <a:headEnd type="none" w="med" len="med"/>
-                      <a:tailEnd type="none" w="med" len="med"/>
-                    </a:lnL>
-                    <a:lnR cmpd="sng" algn="ctr" cap="flat" w="38100">
-                      <a:solidFill>
-                        <a:srgbClr val="000000"/>
-                      </a:solidFill>
-                      <a:prstDash val="solid"/>
-                      <a:round/>
-                      <a:headEnd type="none" w="med" len="med"/>
-                      <a:tailEnd type="none" w="med" len="med"/>
-                    </a:lnR>
-                    <a:lnT cmpd="sng" algn="ctr" cap="flat" w="38100">
-                      <a:solidFill>
-                        <a:srgbClr val="000000"/>
-                      </a:solidFill>
-                      <a:prstDash val="solid"/>
-                      <a:round/>
-                      <a:headEnd type="none" w="med" len="med"/>
-                      <a:tailEnd type="none" w="med" len="med"/>
-                    </a:lnT>
-                    <a:lnB cmpd="sng" algn="ctr" cap="flat" w="38100">
-                      <a:solidFill>
-                        <a:srgbClr val="000000"/>
-                      </a:solidFill>
-                      <a:prstDash val="solid"/>
-                      <a:round/>
-                      <a:headEnd type="none" w="med" len="med"/>
-                      <a:tailEnd type="none" w="med" len="med"/>
-                    </a:lnB>
-                  </a:tcPr>
-                </a:tc>
-                <a:tc>
-                  <a:txBody>
-                    <a:bodyPr anchor="t" rtlCol="false"/>
-                    <a:lstStyle/>
-                    <a:p>
-                      <a:pPr algn="ctr">
-                        <a:lnSpc>
-                          <a:spcPts val="2520"/>
-                        </a:lnSpc>
-                        <a:defRPr/>
-                      </a:pPr>
-                      <a:endParaRPr lang="en-US" sz="1100"/>
-                    </a:p>
-                  </a:txBody>
-                  <a:tcPr marL="190500" marR="190500" marT="190500" marB="190500" anchor="ctr">
-                    <a:lnL cmpd="sng" algn="ctr" cap="flat" w="38100">
-                      <a:solidFill>
-                        <a:srgbClr val="000000"/>
-                      </a:solidFill>
-                      <a:prstDash val="solid"/>
-                      <a:round/>
-                      <a:headEnd type="none" w="med" len="med"/>
-                      <a:tailEnd type="none" w="med" len="med"/>
-                    </a:lnL>
-                    <a:lnR cmpd="sng" algn="ctr" cap="flat" w="38100">
-                      <a:solidFill>
-                        <a:srgbClr val="000000"/>
-                      </a:solidFill>
-                      <a:prstDash val="solid"/>
-                      <a:round/>
-                      <a:headEnd type="none" w="med" len="med"/>
-                      <a:tailEnd type="none" w="med" len="med"/>
-                    </a:lnR>
-                    <a:lnT cmpd="sng" algn="ctr" cap="flat" w="38100">
-                      <a:solidFill>
-                        <a:srgbClr val="000000"/>
-                      </a:solidFill>
-                      <a:prstDash val="solid"/>
-                      <a:round/>
-                      <a:headEnd type="none" w="med" len="med"/>
-                      <a:tailEnd type="none" w="med" len="med"/>
-                    </a:lnT>
-                    <a:lnB cmpd="sng" algn="ctr" cap="flat" w="38100">
-                      <a:solidFill>
-                        <a:srgbClr val="000000"/>
-                      </a:solidFill>
-                      <a:prstDash val="solid"/>
-                      <a:round/>
-                      <a:headEnd type="none" w="med" len="med"/>
-                      <a:tailEnd type="none" w="med" len="med"/>
-                    </a:lnB>
-                  </a:tcPr>
-                </a:tc>
-                <a:tc>
-                  <a:txBody>
-                    <a:bodyPr anchor="t" rtlCol="false"/>
-                    <a:lstStyle/>
-                    <a:p>
-                      <a:pPr algn="ctr">
-                        <a:lnSpc>
-                          <a:spcPts val="2520"/>
-                        </a:lnSpc>
-                        <a:defRPr/>
-                      </a:pPr>
-                      <a:endParaRPr lang="en-US" sz="1100"/>
-                    </a:p>
-                  </a:txBody>
-                  <a:tcPr marL="190500" marR="190500" marT="190500" marB="190500" anchor="ctr">
-                    <a:lnL cmpd="sng" algn="ctr" cap="flat" w="38100">
-                      <a:solidFill>
-                        <a:srgbClr val="000000"/>
-                      </a:solidFill>
-                      <a:prstDash val="solid"/>
-                      <a:round/>
-                      <a:headEnd type="none" w="med" len="med"/>
-                      <a:tailEnd type="none" w="med" len="med"/>
-                    </a:lnL>
-                    <a:lnR cmpd="sng" algn="ctr" cap="flat" w="38100">
-                      <a:solidFill>
-                        <a:srgbClr val="000000"/>
-                      </a:solidFill>
-                      <a:prstDash val="solid"/>
-                      <a:round/>
-                      <a:headEnd type="none" w="med" len="med"/>
-                      <a:tailEnd type="none" w="med" len="med"/>
-                    </a:lnR>
-                    <a:lnT cmpd="sng" algn="ctr" cap="flat" w="38100">
-                      <a:solidFill>
-                        <a:srgbClr val="000000"/>
-                      </a:solidFill>
-                      <a:prstDash val="solid"/>
-                      <a:round/>
-                      <a:headEnd type="none" w="med" len="med"/>
-                      <a:tailEnd type="none" w="med" len="med"/>
-                    </a:lnT>
-                    <a:lnB cmpd="sng" algn="ctr" cap="flat" w="38100">
-                      <a:solidFill>
-                        <a:srgbClr val="000000"/>
-                      </a:solidFill>
-                      <a:prstDash val="solid"/>
-                      <a:round/>
-                      <a:headEnd type="none" w="med" len="med"/>
-                      <a:tailEnd type="none" w="med" len="med"/>
-                    </a:lnB>
-                  </a:tcPr>
-                </a:tc>
-              </a:tr>
-              <a:tr h="1344348">
-                <a:tc>
-                  <a:txBody>
-                    <a:bodyPr anchor="t" rtlCol="false"/>
-                    <a:lstStyle/>
-                    <a:p>
-                      <a:pPr algn="ctr">
-                        <a:lnSpc>
-                          <a:spcPts val="2520"/>
-                        </a:lnSpc>
-                        <a:defRPr/>
-                      </a:pPr>
-                      <a:r>
-                        <a:rPr lang="en-US" sz="1800">
-                          <a:solidFill>
-                            <a:srgbClr val="000000"/>
-                          </a:solidFill>
-                          <a:latin typeface="Public Sans"/>
-                          <a:ea typeface="Public Sans"/>
-                          <a:cs typeface="Public Sans"/>
-                          <a:sym typeface="Public Sans"/>
-                        </a:rPr>
-                        <a:t>005</a:t>
-                      </a:r>
-                      <a:endParaRPr lang="en-US" sz="1100"/>
-                    </a:p>
-                  </a:txBody>
-                  <a:tcPr marL="190500" marR="190500" marT="190500" marB="190500" anchor="ctr">
-                    <a:lnL cmpd="sng" algn="ctr" cap="flat" w="38100">
-                      <a:solidFill>
-                        <a:srgbClr val="000000"/>
-                      </a:solidFill>
-                      <a:prstDash val="solid"/>
-                      <a:round/>
-                      <a:headEnd type="none" w="med" len="med"/>
-                      <a:tailEnd type="none" w="med" len="med"/>
-                    </a:lnL>
-                    <a:lnR cmpd="sng" algn="ctr" cap="flat" w="38100">
-                      <a:solidFill>
-                        <a:srgbClr val="000000"/>
-                      </a:solidFill>
-                      <a:prstDash val="solid"/>
-                      <a:round/>
-                      <a:headEnd type="none" w="med" len="med"/>
-                      <a:tailEnd type="none" w="med" len="med"/>
-                    </a:lnR>
-                    <a:lnT cmpd="sng" algn="ctr" cap="flat" w="38100">
-                      <a:solidFill>
-                        <a:srgbClr val="000000"/>
-                      </a:solidFill>
-                      <a:prstDash val="solid"/>
-                      <a:round/>
-                      <a:headEnd type="none" w="med" len="med"/>
-                      <a:tailEnd type="none" w="med" len="med"/>
-                    </a:lnT>
-                    <a:lnB cmpd="sng" algn="ctr" cap="flat" w="38100">
-                      <a:solidFill>
-                        <a:srgbClr val="000000"/>
-                      </a:solidFill>
-                      <a:prstDash val="solid"/>
-                      <a:round/>
-                      <a:headEnd type="none" w="med" len="med"/>
-                      <a:tailEnd type="none" w="med" len="med"/>
-                    </a:lnB>
-                  </a:tcPr>
-                </a:tc>
-                <a:tc>
-                  <a:txBody>
-                    <a:bodyPr anchor="t" rtlCol="false"/>
-                    <a:lstStyle/>
-                    <a:p>
-                      <a:pPr algn="ctr">
-                        <a:lnSpc>
-                          <a:spcPts val="2520"/>
-                        </a:lnSpc>
-                        <a:defRPr/>
-                      </a:pPr>
-                      <a:endParaRPr lang="en-US" sz="1100"/>
-                    </a:p>
-                  </a:txBody>
-                  <a:tcPr marL="190500" marR="190500" marT="190500" marB="190500" anchor="ctr">
-                    <a:lnL cmpd="sng" algn="ctr" cap="flat" w="38100">
-                      <a:solidFill>
-                        <a:srgbClr val="000000"/>
-                      </a:solidFill>
-                      <a:prstDash val="solid"/>
-                      <a:round/>
-                      <a:headEnd type="none" w="med" len="med"/>
-                      <a:tailEnd type="none" w="med" len="med"/>
-                    </a:lnL>
-                    <a:lnR cmpd="sng" algn="ctr" cap="flat" w="38100">
-                      <a:solidFill>
-                        <a:srgbClr val="000000"/>
-                      </a:solidFill>
-                      <a:prstDash val="solid"/>
-                      <a:round/>
-                      <a:headEnd type="none" w="med" len="med"/>
-                      <a:tailEnd type="none" w="med" len="med"/>
-                    </a:lnR>
-                    <a:lnT cmpd="sng" algn="ctr" cap="flat" w="38100">
-                      <a:solidFill>
-                        <a:srgbClr val="000000"/>
-                      </a:solidFill>
-                      <a:prstDash val="solid"/>
-                      <a:round/>
-                      <a:headEnd type="none" w="med" len="med"/>
-                      <a:tailEnd type="none" w="med" len="med"/>
-                    </a:lnT>
-                    <a:lnB cmpd="sng" algn="ctr" cap="flat" w="38100">
-                      <a:solidFill>
-                        <a:srgbClr val="000000"/>
-                      </a:solidFill>
-                      <a:prstDash val="solid"/>
-                      <a:round/>
-                      <a:headEnd type="none" w="med" len="med"/>
-                      <a:tailEnd type="none" w="med" len="med"/>
-                    </a:lnB>
-                  </a:tcPr>
-                </a:tc>
-                <a:tc>
-                  <a:txBody>
-                    <a:bodyPr anchor="t" rtlCol="false"/>
-                    <a:lstStyle/>
-                    <a:p>
-                      <a:pPr algn="ctr">
-                        <a:lnSpc>
-                          <a:spcPts val="2520"/>
-                        </a:lnSpc>
-                        <a:defRPr/>
-                      </a:pPr>
-                      <a:endParaRPr lang="en-US" sz="1100"/>
-                    </a:p>
-                  </a:txBody>
-                  <a:tcPr marL="190500" marR="190500" marT="190500" marB="190500" anchor="ctr">
-                    <a:lnL cmpd="sng" algn="ctr" cap="flat" w="38100">
-                      <a:solidFill>
-                        <a:srgbClr val="000000"/>
-                      </a:solidFill>
-                      <a:prstDash val="solid"/>
-                      <a:round/>
-                      <a:headEnd type="none" w="med" len="med"/>
-                      <a:tailEnd type="none" w="med" len="med"/>
-                    </a:lnL>
-                    <a:lnR cmpd="sng" algn="ctr" cap="flat" w="38100">
-                      <a:solidFill>
-                        <a:srgbClr val="000000"/>
-                      </a:solidFill>
-                      <a:prstDash val="solid"/>
-                      <a:round/>
-                      <a:headEnd type="none" w="med" len="med"/>
-                      <a:tailEnd type="none" w="med" len="med"/>
-                    </a:lnR>
-                    <a:lnT cmpd="sng" algn="ctr" cap="flat" w="38100">
-                      <a:solidFill>
-                        <a:srgbClr val="000000"/>
-                      </a:solidFill>
-                      <a:prstDash val="solid"/>
-                      <a:round/>
-                      <a:headEnd type="none" w="med" len="med"/>
-                      <a:tailEnd type="none" w="med" len="med"/>
-                    </a:lnT>
-                    <a:lnB cmpd="sng" algn="ctr" cap="flat" w="38100">
-                      <a:solidFill>
-                        <a:srgbClr val="000000"/>
-                      </a:solidFill>
-                      <a:prstDash val="solid"/>
-                      <a:round/>
-                      <a:headEnd type="none" w="med" len="med"/>
-                      <a:tailEnd type="none" w="med" len="med"/>
-                    </a:lnB>
-                  </a:tcPr>
-                </a:tc>
-                <a:tc>
-                  <a:txBody>
-                    <a:bodyPr anchor="t" rtlCol="false"/>
-                    <a:lstStyle/>
-                    <a:p>
-                      <a:pPr algn="ctr">
-                        <a:lnSpc>
-                          <a:spcPts val="2520"/>
-                        </a:lnSpc>
-                        <a:defRPr/>
-                      </a:pPr>
-                      <a:endParaRPr lang="en-US" sz="1100"/>
-                    </a:p>
-                  </a:txBody>
-                  <a:tcPr marL="190500" marR="190500" marT="190500" marB="190500" anchor="ctr">
-                    <a:lnL cmpd="sng" algn="ctr" cap="flat" w="38100">
-                      <a:solidFill>
-                        <a:srgbClr val="000000"/>
-                      </a:solidFill>
-                      <a:prstDash val="solid"/>
-                      <a:round/>
-                      <a:headEnd type="none" w="med" len="med"/>
-                      <a:tailEnd type="none" w="med" len="med"/>
-                    </a:lnL>
-                    <a:lnR cmpd="sng" algn="ctr" cap="flat" w="38100">
-                      <a:solidFill>
-                        <a:srgbClr val="000000"/>
-                      </a:solidFill>
-                      <a:prstDash val="solid"/>
-                      <a:round/>
-                      <a:headEnd type="none" w="med" len="med"/>
-                      <a:tailEnd type="none" w="med" len="med"/>
-                    </a:lnR>
-                    <a:lnT cmpd="sng" algn="ctr" cap="flat" w="38100">
-                      <a:solidFill>
-                        <a:srgbClr val="000000"/>
-                      </a:solidFill>
-                      <a:prstDash val="solid"/>
-                      <a:round/>
-                      <a:headEnd type="none" w="med" len="med"/>
-                      <a:tailEnd type="none" w="med" len="med"/>
-                    </a:lnT>
-                    <a:lnB cmpd="sng" algn="ctr" cap="flat" w="38100">
-                      <a:solidFill>
-                        <a:srgbClr val="000000"/>
-                      </a:solidFill>
-                      <a:prstDash val="solid"/>
-                      <a:round/>
-                      <a:headEnd type="none" w="med" len="med"/>
-                      <a:tailEnd type="none" w="med" len="med"/>
-                    </a:lnB>
-                  </a:tcPr>
-                </a:tc>
-                <a:tc>
-                  <a:txBody>
-                    <a:bodyPr anchor="t" rtlCol="false"/>
-                    <a:lstStyle/>
-                    <a:p>
-                      <a:pPr algn="ctr">
-                        <a:lnSpc>
-                          <a:spcPts val="2520"/>
-                        </a:lnSpc>
-                        <a:defRPr/>
-                      </a:pPr>
-                      <a:endParaRPr lang="en-US" sz="1100"/>
                     </a:p>
                   </a:txBody>
                   <a:tcPr marL="190500" marR="190500" marT="190500" marB="190500" anchor="ctr">
@@ -7920,8 +6461,8 @@
         </p:nvSpPr>
         <p:spPr>
           <a:xfrm rot="0">
-            <a:off x="1639089" y="209550"/>
-            <a:ext cx="15009822" cy="1232538"/>
+            <a:off x="2249478" y="209550"/>
+            <a:ext cx="14289581" cy="1232538"/>
           </a:xfrm>
           <a:prstGeom prst="rect">
             <a:avLst/>
@@ -7948,7 +6489,7 @@
                 <a:cs typeface="Public Sans"/>
                 <a:sym typeface="Public Sans"/>
               </a:rPr>
-              <a:t>Requerimientos No Funcionales</a:t>
+              <a:t>Requerimientos Funcionales</a:t>
             </a:r>
           </a:p>
         </p:txBody>

--- a/Project/Context/HorusPath.context.pptx
+++ b/Project/Context/HorusPath.context.pptx
@@ -13,17 +13,18 @@
     <p:sldId id="261" r:id="rId11"/>
     <p:sldId id="262" r:id="rId12"/>
     <p:sldId id="263" r:id="rId13"/>
+    <p:sldId id="264" r:id="rId14"/>
   </p:sldIdLst>
   <p:sldSz cx="18288000" cy="10287000"/>
   <p:notesSz cx="6858000" cy="9144000"/>
   <p:embeddedFontLst>
     <p:embeddedFont>
       <p:font typeface="Public Sans" charset="1" panose="00000000000000000000"/>
-      <p:regular r:id="rId14"/>
+      <p:regular r:id="rId15"/>
     </p:embeddedFont>
     <p:embeddedFont>
       <p:font typeface="Public Sans Bold" charset="1" panose="00000000000000000000"/>
-      <p:regular r:id="rId15"/>
+      <p:regular r:id="rId16"/>
     </p:embeddedFont>
   </p:embeddedFontLst>
   <p:defaultTextStyle>
@@ -3245,7 +3246,7 @@
 </file>
 
 <file path=ppt/slides/slide2.xml><?xml version="1.0" encoding="utf-8"?>
-<p:sld xmlns:p="http://schemas.openxmlformats.org/presentationml/2006/main" xmlns:a="http://schemas.openxmlformats.org/drawingml/2006/main">
+<p:sld xmlns:p="http://schemas.openxmlformats.org/presentationml/2006/main" xmlns:a="http://schemas.openxmlformats.org/drawingml/2006/main" xmlns:r="http://schemas.openxmlformats.org/officeDocument/2006/relationships">
   <p:cSld>
     <p:bg>
       <p:bgPr>
@@ -3317,8 +3318,8 @@
         </p:nvSpPr>
         <p:spPr>
           <a:xfrm rot="0">
-            <a:off x="2418861" y="3305024"/>
-            <a:ext cx="13450278" cy="5703570"/>
+            <a:off x="1278618" y="3453765"/>
+            <a:ext cx="15730763" cy="3322320"/>
           </a:xfrm>
           <a:prstGeom prst="rect">
             <a:avLst/>
@@ -3345,7 +3346,7 @@
                 <a:cs typeface="Public Sans"/>
                 <a:sym typeface="Public Sans"/>
               </a:rPr>
-              <a:t>Desplazarse dentro de un edificio puede ser un reto para cualquier persona, pero para quienes tienen discapacidad visual, es una barrera que limita su independencia. Aunque existen herramientas como GPS y señalización en exteriores, en espacios cerrados estas soluciones no funcionan.</a:t>
+              <a:t>Desplazarse en interiores representa una gran dificultad para personas con discapacidad visual, ya que las soluciones tradicionales como el GPS no funcionan en estos entornos. Este proyecto propone un sistema innovador compuesto por un robot de asistencia autónomo y una aplicación móvil, que guían al usuario de forma segura, detectan obstáculos y ofrecen retroalimentación en tiempo real. La solución busca mejorar la autonomía y accesibilidad en espacios como hospitales, universidades y centros comerciales, sin depender de infraestructura costosa.</a:t>
             </a:r>
           </a:p>
           <a:p>
@@ -3354,39 +3355,210 @@
                 <a:spcPts val="3779"/>
               </a:lnSpc>
             </a:pPr>
-            <a:r>
-              <a:rPr lang="en-US" sz="2699" spc="-35">
-                <a:solidFill>
-                  <a:srgbClr val="272665"/>
-                </a:solidFill>
-                <a:latin typeface="Public Sans"/>
-                <a:ea typeface="Public Sans"/>
-                <a:cs typeface="Public Sans"/>
-                <a:sym typeface="Public Sans"/>
-              </a:rPr>
-              <a:t>Este proyecto busca cambiar esa realidad con un sistema innovador que combina un robot de asistencia autónomo y una aplicación móvil. El robot guiará al usuario a su destino, detectando obstáculos y proporcionando retroalimentación en tiempo real a través de la app.</a:t>
-            </a:r>
-          </a:p>
-          <a:p>
-            <a:pPr algn="just">
-              <a:lnSpc>
-                <a:spcPts val="3779"/>
-              </a:lnSpc>
-            </a:pPr>
-            <a:r>
-              <a:rPr lang="en-US" sz="2699" spc="-35">
-                <a:solidFill>
-                  <a:srgbClr val="272665"/>
-                </a:solidFill>
-                <a:latin typeface="Public Sans"/>
-                <a:ea typeface="Public Sans"/>
-                <a:cs typeface="Public Sans"/>
-                <a:sym typeface="Public Sans"/>
-              </a:rPr>
-              <a:t>Con esta solución, las personas con discapacidad visual podrán moverse con seguridad y autonomía en interiores, sin depender de terceros ni de infraestructura costosa. Es una propuesta tecnológica inclusiva que mejora la accesibilidad en hospitales, universidades, centros comerciales y otros espacios cerrados.</a:t>
-            </a:r>
           </a:p>
         </p:txBody>
+      </p:sp>
+      <p:sp>
+        <p:nvSpPr>
+          <p:cNvPr name="Freeform 4" id="4"/>
+          <p:cNvSpPr/>
+          <p:nvPr/>
+        </p:nvSpPr>
+        <p:spPr>
+          <a:xfrm flipH="false" flipV="false" rot="0">
+            <a:off x="4071325" y="7260829"/>
+            <a:ext cx="2522214" cy="2265406"/>
+          </a:xfrm>
+          <a:custGeom>
+            <a:avLst/>
+            <a:gdLst/>
+            <a:ahLst/>
+            <a:cxnLst/>
+            <a:rect r="r" b="b" t="t" l="l"/>
+            <a:pathLst>
+              <a:path h="2265406" w="2522214">
+                <a:moveTo>
+                  <a:pt x="0" y="0"/>
+                </a:moveTo>
+                <a:lnTo>
+                  <a:pt x="2522214" y="0"/>
+                </a:lnTo>
+                <a:lnTo>
+                  <a:pt x="2522214" y="2265406"/>
+                </a:lnTo>
+                <a:lnTo>
+                  <a:pt x="0" y="2265406"/>
+                </a:lnTo>
+                <a:lnTo>
+                  <a:pt x="0" y="0"/>
+                </a:lnTo>
+                <a:close/>
+              </a:path>
+            </a:pathLst>
+          </a:custGeom>
+          <a:blipFill>
+            <a:blip r:embed="rId2">
+              <a:extLst>
+                <a:ext uri="{96DAC541-7B7A-43D3-8B79-37D633B846F1}">
+                  <asvg:svgBlip xmlns:asvg="http://schemas.microsoft.com/office/drawing/2016/SVG/main" r:embed="rId3"/>
+                </a:ext>
+              </a:extLst>
+            </a:blip>
+            <a:stretch>
+              <a:fillRect l="0" t="0" r="0" b="0"/>
+            </a:stretch>
+          </a:blipFill>
+        </p:spPr>
+      </p:sp>
+      <p:sp>
+        <p:nvSpPr>
+          <p:cNvPr name="Freeform 5" id="5"/>
+          <p:cNvSpPr/>
+          <p:nvPr/>
+        </p:nvSpPr>
+        <p:spPr>
+          <a:xfrm flipH="false" flipV="true" rot="-1264352">
+            <a:off x="6812811" y="8910408"/>
+            <a:ext cx="1506977" cy="849387"/>
+          </a:xfrm>
+          <a:custGeom>
+            <a:avLst/>
+            <a:gdLst/>
+            <a:ahLst/>
+            <a:cxnLst/>
+            <a:rect r="r" b="b" t="t" l="l"/>
+            <a:pathLst>
+              <a:path h="849387" w="1506977">
+                <a:moveTo>
+                  <a:pt x="0" y="849387"/>
+                </a:moveTo>
+                <a:lnTo>
+                  <a:pt x="1506977" y="849387"/>
+                </a:lnTo>
+                <a:lnTo>
+                  <a:pt x="1506977" y="0"/>
+                </a:lnTo>
+                <a:lnTo>
+                  <a:pt x="0" y="0"/>
+                </a:lnTo>
+                <a:lnTo>
+                  <a:pt x="0" y="849387"/>
+                </a:lnTo>
+                <a:close/>
+              </a:path>
+            </a:pathLst>
+          </a:custGeom>
+          <a:blipFill>
+            <a:blip r:embed="rId4">
+              <a:extLst>
+                <a:ext uri="{96DAC541-7B7A-43D3-8B79-37D633B846F1}">
+                  <asvg:svgBlip xmlns:asvg="http://schemas.microsoft.com/office/drawing/2016/SVG/main" r:embed="rId5"/>
+                </a:ext>
+              </a:extLst>
+            </a:blip>
+            <a:stretch>
+              <a:fillRect l="0" t="0" r="0" b="0"/>
+            </a:stretch>
+          </a:blipFill>
+        </p:spPr>
+      </p:sp>
+      <p:sp>
+        <p:nvSpPr>
+          <p:cNvPr name="Freeform 6" id="6"/>
+          <p:cNvSpPr/>
+          <p:nvPr/>
+        </p:nvSpPr>
+        <p:spPr>
+          <a:xfrm flipH="false" flipV="false" rot="1722140">
+            <a:off x="9946635" y="7409609"/>
+            <a:ext cx="1506977" cy="849387"/>
+          </a:xfrm>
+          <a:custGeom>
+            <a:avLst/>
+            <a:gdLst/>
+            <a:ahLst/>
+            <a:cxnLst/>
+            <a:rect r="r" b="b" t="t" l="l"/>
+            <a:pathLst>
+              <a:path h="849387" w="1506977">
+                <a:moveTo>
+                  <a:pt x="0" y="0"/>
+                </a:moveTo>
+                <a:lnTo>
+                  <a:pt x="1506977" y="0"/>
+                </a:lnTo>
+                <a:lnTo>
+                  <a:pt x="1506977" y="849387"/>
+                </a:lnTo>
+                <a:lnTo>
+                  <a:pt x="0" y="849387"/>
+                </a:lnTo>
+                <a:lnTo>
+                  <a:pt x="0" y="0"/>
+                </a:lnTo>
+                <a:close/>
+              </a:path>
+            </a:pathLst>
+          </a:custGeom>
+          <a:blipFill>
+            <a:blip r:embed="rId4">
+              <a:extLst>
+                <a:ext uri="{96DAC541-7B7A-43D3-8B79-37D633B846F1}">
+                  <asvg:svgBlip xmlns:asvg="http://schemas.microsoft.com/office/drawing/2016/SVG/main" r:embed="rId5"/>
+                </a:ext>
+              </a:extLst>
+            </a:blip>
+            <a:stretch>
+              <a:fillRect l="0" t="0" r="0" b="0"/>
+            </a:stretch>
+          </a:blipFill>
+        </p:spPr>
+      </p:sp>
+      <p:sp>
+        <p:nvSpPr>
+          <p:cNvPr name="Freeform 7" id="7"/>
+          <p:cNvSpPr/>
+          <p:nvPr/>
+        </p:nvSpPr>
+        <p:spPr>
+          <a:xfrm flipH="false" flipV="false" rot="0">
+            <a:off x="11681954" y="7368809"/>
+            <a:ext cx="2534720" cy="2265406"/>
+          </a:xfrm>
+          <a:custGeom>
+            <a:avLst/>
+            <a:gdLst/>
+            <a:ahLst/>
+            <a:cxnLst/>
+            <a:rect r="r" b="b" t="t" l="l"/>
+            <a:pathLst>
+              <a:path h="2265406" w="2534720">
+                <a:moveTo>
+                  <a:pt x="0" y="0"/>
+                </a:moveTo>
+                <a:lnTo>
+                  <a:pt x="2534721" y="0"/>
+                </a:lnTo>
+                <a:lnTo>
+                  <a:pt x="2534721" y="2265406"/>
+                </a:lnTo>
+                <a:lnTo>
+                  <a:pt x="0" y="2265406"/>
+                </a:lnTo>
+                <a:lnTo>
+                  <a:pt x="0" y="0"/>
+                </a:lnTo>
+                <a:close/>
+              </a:path>
+            </a:pathLst>
+          </a:custGeom>
+          <a:blipFill>
+            <a:blip r:embed="rId6"/>
+            <a:stretch>
+              <a:fillRect l="0" t="0" r="0" b="0"/>
+            </a:stretch>
+          </a:blipFill>
+        </p:spPr>
       </p:sp>
     </p:spTree>
   </p:cSld>
@@ -3397,6 +3569,38 @@
 </file>
 
 <file path=ppt/slides/slide3.xml><?xml version="1.0" encoding="utf-8"?>
+<p:sld xmlns:p="http://schemas.openxmlformats.org/presentationml/2006/main" xmlns:a="http://schemas.openxmlformats.org/drawingml/2006/main">
+  <p:cSld>
+    <p:bg>
+      <p:bgPr>
+        <a:solidFill>
+          <a:srgbClr val="E6E4EF"/>
+        </a:solidFill>
+      </p:bgPr>
+    </p:bg>
+    <p:spTree>
+      <p:nvGrpSpPr>
+        <p:cNvPr id="1" name=""/>
+        <p:cNvGrpSpPr/>
+        <p:nvPr/>
+      </p:nvGrpSpPr>
+      <p:grpSpPr>
+        <a:xfrm>
+          <a:off x="0" y="0"/>
+          <a:ext cx="0" cy="0"/>
+          <a:chOff x="0" y="0"/>
+          <a:chExt cx="0" cy="0"/>
+        </a:xfrm>
+      </p:grpSpPr>
+    </p:spTree>
+  </p:cSld>
+  <p:clrMapOvr>
+    <a:masterClrMapping/>
+  </p:clrMapOvr>
+</p:sld>
+</file>
+
+<file path=ppt/slides/slide4.xml><?xml version="1.0" encoding="utf-8"?>
 <p:sld xmlns:p="http://schemas.openxmlformats.org/presentationml/2006/main" xmlns:a="http://schemas.openxmlformats.org/drawingml/2006/main">
   <p:cSld>
     <p:bg>
@@ -5627,7 +5831,7 @@
 </p:sld>
 </file>
 
-<file path=ppt/slides/slide4.xml><?xml version="1.0" encoding="utf-8"?>
+<file path=ppt/slides/slide5.xml><?xml version="1.0" encoding="utf-8"?>
 <p:sld xmlns:p="http://schemas.openxmlformats.org/presentationml/2006/main" xmlns:a="http://schemas.openxmlformats.org/drawingml/2006/main">
   <p:cSld>
     <p:bg>
@@ -8670,7 +8874,7 @@
 </p:sld>
 </file>
 
-<file path=ppt/slides/slide5.xml><?xml version="1.0" encoding="utf-8"?>
+<file path=ppt/slides/slide6.xml><?xml version="1.0" encoding="utf-8"?>
 <p:sld xmlns:p="http://schemas.openxmlformats.org/presentationml/2006/main" xmlns:a="http://schemas.openxmlformats.org/drawingml/2006/main">
   <p:cSld>
     <p:bg>
@@ -9559,7 +9763,7 @@
 </p:sld>
 </file>
 
-<file path=ppt/slides/slide6.xml><?xml version="1.0" encoding="utf-8"?>
+<file path=ppt/slides/slide7.xml><?xml version="1.0" encoding="utf-8"?>
 <p:sld xmlns:p="http://schemas.openxmlformats.org/presentationml/2006/main" xmlns:a="http://schemas.openxmlformats.org/drawingml/2006/main">
   <p:cSld>
     <p:bg>
@@ -13375,7 +13579,7 @@
 </p:sld>
 </file>
 
-<file path=ppt/slides/slide7.xml><?xml version="1.0" encoding="utf-8"?>
+<file path=ppt/slides/slide8.xml><?xml version="1.0" encoding="utf-8"?>
 <p:sld xmlns:p="http://schemas.openxmlformats.org/presentationml/2006/main" xmlns:a="http://schemas.openxmlformats.org/drawingml/2006/main">
   <p:cSld>
     <p:bg>
@@ -15762,7 +15966,7 @@
 </p:sld>
 </file>
 
-<file path=ppt/slides/slide8.xml><?xml version="1.0" encoding="utf-8"?>
+<file path=ppt/slides/slide9.xml><?xml version="1.0" encoding="utf-8"?>
 <p:sld xmlns:p="http://schemas.openxmlformats.org/presentationml/2006/main" xmlns:a="http://schemas.openxmlformats.org/drawingml/2006/main" xmlns:r="http://schemas.openxmlformats.org/officeDocument/2006/relationships">
   <p:cSld>
     <p:bg>

--- a/Project/Context/HorusPath.context.pptx
+++ b/Project/Context/HorusPath.context.pptx
@@ -13,18 +13,17 @@
     <p:sldId id="261" r:id="rId11"/>
     <p:sldId id="262" r:id="rId12"/>
     <p:sldId id="263" r:id="rId13"/>
-    <p:sldId id="264" r:id="rId14"/>
   </p:sldIdLst>
   <p:sldSz cx="18288000" cy="10287000"/>
   <p:notesSz cx="6858000" cy="9144000"/>
   <p:embeddedFontLst>
     <p:embeddedFont>
       <p:font typeface="Public Sans" charset="1" panose="00000000000000000000"/>
-      <p:regular r:id="rId15"/>
+      <p:regular r:id="rId14"/>
     </p:embeddedFont>
     <p:embeddedFont>
       <p:font typeface="Public Sans Bold" charset="1" panose="00000000000000000000"/>
-      <p:regular r:id="rId16"/>
+      <p:regular r:id="rId15"/>
     </p:embeddedFont>
   </p:embeddedFontLst>
   <p:defaultTextStyle>
@@ -3592,38 +3591,6 @@
           <a:chExt cx="0" cy="0"/>
         </a:xfrm>
       </p:grpSpPr>
-    </p:spTree>
-  </p:cSld>
-  <p:clrMapOvr>
-    <a:masterClrMapping/>
-  </p:clrMapOvr>
-</p:sld>
-</file>
-
-<file path=ppt/slides/slide4.xml><?xml version="1.0" encoding="utf-8"?>
-<p:sld xmlns:p="http://schemas.openxmlformats.org/presentationml/2006/main" xmlns:a="http://schemas.openxmlformats.org/drawingml/2006/main">
-  <p:cSld>
-    <p:bg>
-      <p:bgPr>
-        <a:solidFill>
-          <a:srgbClr val="E6E4EF"/>
-        </a:solidFill>
-      </p:bgPr>
-    </p:bg>
-    <p:spTree>
-      <p:nvGrpSpPr>
-        <p:cNvPr id="1" name=""/>
-        <p:cNvGrpSpPr/>
-        <p:nvPr/>
-      </p:nvGrpSpPr>
-      <p:grpSpPr>
-        <a:xfrm>
-          <a:off x="0" y="0"/>
-          <a:ext cx="0" cy="0"/>
-          <a:chOff x="0" y="0"/>
-          <a:chExt cx="0" cy="0"/>
-        </a:xfrm>
-      </p:grpSpPr>
       <p:graphicFrame>
         <p:nvGraphicFramePr>
           <p:cNvPr name="Table 2" id="2"/>
@@ -5831,7 +5798,7 @@
 </p:sld>
 </file>
 
-<file path=ppt/slides/slide5.xml><?xml version="1.0" encoding="utf-8"?>
+<file path=ppt/slides/slide4.xml><?xml version="1.0" encoding="utf-8"?>
 <p:sld xmlns:p="http://schemas.openxmlformats.org/presentationml/2006/main" xmlns:a="http://schemas.openxmlformats.org/drawingml/2006/main">
   <p:cSld>
     <p:bg>
@@ -8874,7 +8841,7 @@
 </p:sld>
 </file>
 
-<file path=ppt/slides/slide6.xml><?xml version="1.0" encoding="utf-8"?>
+<file path=ppt/slides/slide5.xml><?xml version="1.0" encoding="utf-8"?>
 <p:sld xmlns:p="http://schemas.openxmlformats.org/presentationml/2006/main" xmlns:a="http://schemas.openxmlformats.org/drawingml/2006/main">
   <p:cSld>
     <p:bg>
@@ -9763,7 +9730,7 @@
 </p:sld>
 </file>
 
-<file path=ppt/slides/slide7.xml><?xml version="1.0" encoding="utf-8"?>
+<file path=ppt/slides/slide6.xml><?xml version="1.0" encoding="utf-8"?>
 <p:sld xmlns:p="http://schemas.openxmlformats.org/presentationml/2006/main" xmlns:a="http://schemas.openxmlformats.org/drawingml/2006/main">
   <p:cSld>
     <p:bg>
@@ -13579,7 +13546,7 @@
 </p:sld>
 </file>
 
-<file path=ppt/slides/slide8.xml><?xml version="1.0" encoding="utf-8"?>
+<file path=ppt/slides/slide7.xml><?xml version="1.0" encoding="utf-8"?>
 <p:sld xmlns:p="http://schemas.openxmlformats.org/presentationml/2006/main" xmlns:a="http://schemas.openxmlformats.org/drawingml/2006/main">
   <p:cSld>
     <p:bg>
@@ -15966,7 +15933,7 @@
 </p:sld>
 </file>
 
-<file path=ppt/slides/slide9.xml><?xml version="1.0" encoding="utf-8"?>
+<file path=ppt/slides/slide8.xml><?xml version="1.0" encoding="utf-8"?>
 <p:sld xmlns:p="http://schemas.openxmlformats.org/presentationml/2006/main" xmlns:a="http://schemas.openxmlformats.org/drawingml/2006/main" xmlns:r="http://schemas.openxmlformats.org/officeDocument/2006/relationships">
   <p:cSld>
     <p:bg>

--- a/Project/Context/HorusPath.context.pptx
+++ b/Project/Context/HorusPath.context.pptx
@@ -3270,44 +3270,55 @@
       </p:grpSpPr>
       <p:sp>
         <p:nvSpPr>
-          <p:cNvPr name="TextBox 2" id="2"/>
-          <p:cNvSpPr txBox="true"/>
+          <p:cNvPr name="Freeform 2" id="2"/>
+          <p:cNvSpPr/>
           <p:nvPr/>
         </p:nvSpPr>
         <p:spPr>
-          <a:xfrm rot="0">
-            <a:off x="3273152" y="1938692"/>
-            <a:ext cx="11741696" cy="1232538"/>
+          <a:xfrm flipH="false" flipV="false" rot="0">
+            <a:off x="1028700" y="6195809"/>
+            <a:ext cx="1515705" cy="1129889"/>
           </a:xfrm>
-          <a:prstGeom prst="rect">
+          <a:custGeom>
             <a:avLst/>
-          </a:prstGeom>
+            <a:gdLst/>
+            <a:ahLst/>
+            <a:cxnLst/>
+            <a:rect r="r" b="b" t="t" l="l"/>
+            <a:pathLst>
+              <a:path h="1129889" w="1515705">
+                <a:moveTo>
+                  <a:pt x="0" y="0"/>
+                </a:moveTo>
+                <a:lnTo>
+                  <a:pt x="1515705" y="0"/>
+                </a:lnTo>
+                <a:lnTo>
+                  <a:pt x="1515705" y="1129889"/>
+                </a:lnTo>
+                <a:lnTo>
+                  <a:pt x="0" y="1129889"/>
+                </a:lnTo>
+                <a:lnTo>
+                  <a:pt x="0" y="0"/>
+                </a:lnTo>
+                <a:close/>
+              </a:path>
+            </a:pathLst>
+          </a:custGeom>
+          <a:blipFill>
+            <a:blip r:embed="rId2">
+              <a:extLst>
+                <a:ext uri="{96DAC541-7B7A-43D3-8B79-37D633B846F1}">
+                  <asvg:svgBlip xmlns:asvg="http://schemas.microsoft.com/office/drawing/2016/SVG/main" r:embed="rId3"/>
+                </a:ext>
+              </a:extLst>
+            </a:blip>
+            <a:stretch>
+              <a:fillRect l="0" t="0" r="0" b="0"/>
+            </a:stretch>
+          </a:blipFill>
         </p:spPr>
-        <p:txBody>
-          <a:bodyPr anchor="t" rtlCol="false" tIns="0" lIns="0" bIns="0" rIns="0">
-            <a:spAutoFit/>
-          </a:bodyPr>
-          <a:lstStyle/>
-          <a:p>
-            <a:pPr algn="ctr">
-              <a:lnSpc>
-                <a:spcPts val="9120"/>
-              </a:lnSpc>
-            </a:pPr>
-            <a:r>
-              <a:rPr lang="en-US" sz="9500" spc="-779">
-                <a:solidFill>
-                  <a:srgbClr val="272665"/>
-                </a:solidFill>
-                <a:latin typeface="Public Sans"/>
-                <a:ea typeface="Public Sans"/>
-                <a:cs typeface="Public Sans"/>
-                <a:sym typeface="Public Sans"/>
-              </a:rPr>
-              <a:t>Contexto</a:t>
-            </a:r>
-          </a:p>
-        </p:txBody>
       </p:sp>
       <p:sp>
         <p:nvSpPr>
@@ -3317,7 +3328,7 @@
         </p:nvSpPr>
         <p:spPr>
           <a:xfrm rot="0">
-            <a:off x="1278618" y="3453765"/>
+            <a:off x="1278618" y="2790359"/>
             <a:ext cx="15730763" cy="3322320"/>
           </a:xfrm>
           <a:prstGeom prst="rect">
@@ -3364,9 +3375,9 @@
           <p:nvPr/>
         </p:nvSpPr>
         <p:spPr>
-          <a:xfrm flipH="false" flipV="false" rot="0">
-            <a:off x="4071325" y="7260829"/>
-            <a:ext cx="2522214" cy="2265406"/>
+          <a:xfrm flipH="false" flipV="true" rot="-2917910">
+            <a:off x="4314872" y="8850970"/>
+            <a:ext cx="1506977" cy="849387"/>
           </a:xfrm>
           <a:custGeom>
             <a:avLst/>
@@ -3375,31 +3386,31 @@
             <a:cxnLst/>
             <a:rect r="r" b="b" t="t" l="l"/>
             <a:pathLst>
-              <a:path h="2265406" w="2522214">
+              <a:path h="849387" w="1506977">
                 <a:moveTo>
-                  <a:pt x="0" y="0"/>
+                  <a:pt x="0" y="849387"/>
                 </a:moveTo>
                 <a:lnTo>
-                  <a:pt x="2522214" y="0"/>
+                  <a:pt x="1506977" y="849387"/>
                 </a:lnTo>
                 <a:lnTo>
-                  <a:pt x="2522214" y="2265406"/>
-                </a:lnTo>
-                <a:lnTo>
-                  <a:pt x="0" y="2265406"/>
+                  <a:pt x="1506977" y="0"/>
                 </a:lnTo>
                 <a:lnTo>
                   <a:pt x="0" y="0"/>
+                </a:lnTo>
+                <a:lnTo>
+                  <a:pt x="0" y="849387"/>
                 </a:lnTo>
                 <a:close/>
               </a:path>
             </a:pathLst>
           </a:custGeom>
           <a:blipFill>
-            <a:blip r:embed="rId2">
+            <a:blip r:embed="rId4">
               <a:extLst>
                 <a:ext uri="{96DAC541-7B7A-43D3-8B79-37D633B846F1}">
-                  <asvg:svgBlip xmlns:asvg="http://schemas.microsoft.com/office/drawing/2016/SVG/main" r:embed="rId3"/>
+                  <asvg:svgBlip xmlns:asvg="http://schemas.microsoft.com/office/drawing/2016/SVG/main" r:embed="rId5"/>
                 </a:ext>
               </a:extLst>
             </a:blip>
@@ -3416,8 +3427,8 @@
           <p:nvPr/>
         </p:nvSpPr>
         <p:spPr>
-          <a:xfrm flipH="false" flipV="true" rot="-1264352">
-            <a:off x="6812811" y="8910408"/>
+          <a:xfrm flipH="false" flipV="true" rot="-2156841">
+            <a:off x="13184049" y="7771478"/>
             <a:ext cx="1506977" cy="849387"/>
           </a:xfrm>
           <a:custGeom>
@@ -3469,7 +3480,7 @@
         </p:nvSpPr>
         <p:spPr>
           <a:xfrm flipH="false" flipV="false" rot="1722140">
-            <a:off x="9946635" y="7409609"/>
+            <a:off x="7394452" y="7203719"/>
             <a:ext cx="1506977" cy="849387"/>
           </a:xfrm>
           <a:custGeom>
@@ -3484,10 +3495,10 @@
                   <a:pt x="0" y="0"/>
                 </a:moveTo>
                 <a:lnTo>
-                  <a:pt x="1506977" y="0"/>
+                  <a:pt x="1506976" y="0"/>
                 </a:lnTo>
                 <a:lnTo>
-                  <a:pt x="1506977" y="849387"/>
+                  <a:pt x="1506976" y="849387"/>
                 </a:lnTo>
                 <a:lnTo>
                   <a:pt x="0" y="849387"/>
@@ -3521,7 +3532,7 @@
         </p:nvSpPr>
         <p:spPr>
           <a:xfrm flipH="false" flipV="false" rot="0">
-            <a:off x="11681954" y="7368809"/>
+            <a:off x="14474661" y="6489115"/>
             <a:ext cx="2534720" cy="2265406"/>
           </a:xfrm>
           <a:custGeom>
@@ -3539,10 +3550,10 @@
                   <a:pt x="2534721" y="0"/>
                 </a:lnTo>
                 <a:lnTo>
-                  <a:pt x="2534721" y="2265406"/>
+                  <a:pt x="2534721" y="2265407"/>
                 </a:lnTo>
                 <a:lnTo>
-                  <a:pt x="0" y="2265406"/>
+                  <a:pt x="0" y="2265407"/>
                 </a:lnTo>
                 <a:lnTo>
                   <a:pt x="0" y="0"/>
@@ -3558,6 +3569,430 @@
             </a:stretch>
           </a:blipFill>
         </p:spPr>
+      </p:sp>
+      <p:grpSp>
+        <p:nvGrpSpPr>
+          <p:cNvPr name="Group 8" id="8"/>
+          <p:cNvGrpSpPr/>
+          <p:nvPr/>
+        </p:nvGrpSpPr>
+        <p:grpSpPr>
+          <a:xfrm rot="0">
+            <a:off x="9012808" y="7173051"/>
+            <a:ext cx="3652350" cy="1920067"/>
+            <a:chOff x="0" y="0"/>
+            <a:chExt cx="4869800" cy="2560089"/>
+          </a:xfrm>
+        </p:grpSpPr>
+        <p:grpSp>
+          <p:nvGrpSpPr>
+            <p:cNvPr name="Group 9" id="9"/>
+            <p:cNvGrpSpPr/>
+            <p:nvPr/>
+          </p:nvGrpSpPr>
+          <p:grpSpPr>
+            <a:xfrm rot="0">
+              <a:off x="0" y="0"/>
+              <a:ext cx="4869800" cy="2560089"/>
+              <a:chOff x="0" y="0"/>
+              <a:chExt cx="1546108" cy="812800"/>
+            </a:xfrm>
+          </p:grpSpPr>
+          <p:sp>
+            <p:nvSpPr>
+              <p:cNvPr name="Freeform 10" id="10"/>
+              <p:cNvSpPr/>
+              <p:nvPr/>
+            </p:nvSpPr>
+            <p:spPr>
+              <a:xfrm flipH="false" flipV="false" rot="0">
+                <a:off x="0" y="0"/>
+                <a:ext cx="1546108" cy="812800"/>
+              </a:xfrm>
+              <a:custGeom>
+                <a:avLst/>
+                <a:gdLst/>
+                <a:ahLst/>
+                <a:cxnLst/>
+                <a:rect r="r" b="b" t="t" l="l"/>
+                <a:pathLst>
+                  <a:path h="812800" w="1546108">
+                    <a:moveTo>
+                      <a:pt x="108105" y="0"/>
+                    </a:moveTo>
+                    <a:lnTo>
+                      <a:pt x="1438003" y="0"/>
+                    </a:lnTo>
+                    <a:cubicBezTo>
+                      <a:pt x="1497707" y="0"/>
+                      <a:pt x="1546108" y="48400"/>
+                      <a:pt x="1546108" y="108105"/>
+                    </a:cubicBezTo>
+                    <a:lnTo>
+                      <a:pt x="1546108" y="704695"/>
+                    </a:lnTo>
+                    <a:cubicBezTo>
+                      <a:pt x="1546108" y="733366"/>
+                      <a:pt x="1534718" y="760863"/>
+                      <a:pt x="1514444" y="781137"/>
+                    </a:cubicBezTo>
+                    <a:cubicBezTo>
+                      <a:pt x="1494171" y="801410"/>
+                      <a:pt x="1466674" y="812800"/>
+                      <a:pt x="1438003" y="812800"/>
+                    </a:cubicBezTo>
+                    <a:lnTo>
+                      <a:pt x="108105" y="812800"/>
+                    </a:lnTo>
+                    <a:cubicBezTo>
+                      <a:pt x="48400" y="812800"/>
+                      <a:pt x="0" y="764400"/>
+                      <a:pt x="0" y="704695"/>
+                    </a:cubicBezTo>
+                    <a:lnTo>
+                      <a:pt x="0" y="108105"/>
+                    </a:lnTo>
+                    <a:cubicBezTo>
+                      <a:pt x="0" y="48400"/>
+                      <a:pt x="48400" y="0"/>
+                      <a:pt x="108105" y="0"/>
+                    </a:cubicBezTo>
+                    <a:close/>
+                  </a:path>
+                </a:pathLst>
+              </a:custGeom>
+              <a:solidFill>
+                <a:srgbClr val="00DCD2"/>
+              </a:solidFill>
+            </p:spPr>
+          </p:sp>
+          <p:sp>
+            <p:nvSpPr>
+              <p:cNvPr name="TextBox 11" id="11"/>
+              <p:cNvSpPr txBox="true"/>
+              <p:nvPr/>
+            </p:nvSpPr>
+            <p:spPr>
+              <a:xfrm>
+                <a:off x="0" y="85725"/>
+                <a:ext cx="1546108" cy="727075"/>
+              </a:xfrm>
+              <a:prstGeom prst="rect">
+                <a:avLst/>
+              </a:prstGeom>
+            </p:spPr>
+            <p:txBody>
+              <a:bodyPr anchor="ctr" rtlCol="false" tIns="50800" lIns="50800" bIns="50800" rIns="50800"/>
+              <a:lstStyle/>
+              <a:p>
+                <a:pPr algn="ctr">
+                  <a:lnSpc>
+                    <a:spcPts val="1925"/>
+                  </a:lnSpc>
+                </a:pPr>
+              </a:p>
+            </p:txBody>
+          </p:sp>
+        </p:grpSp>
+        <p:grpSp>
+          <p:nvGrpSpPr>
+            <p:cNvPr name="Group 12" id="12"/>
+            <p:cNvGrpSpPr/>
+            <p:nvPr/>
+          </p:nvGrpSpPr>
+          <p:grpSpPr>
+            <a:xfrm rot="0">
+              <a:off x="422622" y="244169"/>
+              <a:ext cx="3940882" cy="2071750"/>
+              <a:chOff x="0" y="0"/>
+              <a:chExt cx="1251187" cy="657758"/>
+            </a:xfrm>
+          </p:grpSpPr>
+          <p:sp>
+            <p:nvSpPr>
+              <p:cNvPr name="Freeform 13" id="13"/>
+              <p:cNvSpPr/>
+              <p:nvPr/>
+            </p:nvSpPr>
+            <p:spPr>
+              <a:xfrm flipH="false" flipV="false" rot="0">
+                <a:off x="0" y="0"/>
+                <a:ext cx="1251187" cy="657758"/>
+              </a:xfrm>
+              <a:custGeom>
+                <a:avLst/>
+                <a:gdLst/>
+                <a:ahLst/>
+                <a:cxnLst/>
+                <a:rect r="r" b="b" t="t" l="l"/>
+                <a:pathLst>
+                  <a:path h="657758" w="1251187">
+                    <a:moveTo>
+                      <a:pt x="133587" y="0"/>
+                    </a:moveTo>
+                    <a:lnTo>
+                      <a:pt x="1117600" y="0"/>
+                    </a:lnTo>
+                    <a:cubicBezTo>
+                      <a:pt x="1153029" y="0"/>
+                      <a:pt x="1187007" y="14074"/>
+                      <a:pt x="1212060" y="39127"/>
+                    </a:cubicBezTo>
+                    <a:cubicBezTo>
+                      <a:pt x="1237112" y="64179"/>
+                      <a:pt x="1251187" y="98158"/>
+                      <a:pt x="1251187" y="133587"/>
+                    </a:cubicBezTo>
+                    <a:lnTo>
+                      <a:pt x="1251187" y="524171"/>
+                    </a:lnTo>
+                    <a:cubicBezTo>
+                      <a:pt x="1251187" y="559600"/>
+                      <a:pt x="1237112" y="593579"/>
+                      <a:pt x="1212060" y="618631"/>
+                    </a:cubicBezTo>
+                    <a:cubicBezTo>
+                      <a:pt x="1187007" y="643684"/>
+                      <a:pt x="1153029" y="657758"/>
+                      <a:pt x="1117600" y="657758"/>
+                    </a:cubicBezTo>
+                    <a:lnTo>
+                      <a:pt x="133587" y="657758"/>
+                    </a:lnTo>
+                    <a:cubicBezTo>
+                      <a:pt x="98158" y="657758"/>
+                      <a:pt x="64179" y="643684"/>
+                      <a:pt x="39127" y="618631"/>
+                    </a:cubicBezTo>
+                    <a:cubicBezTo>
+                      <a:pt x="14074" y="593579"/>
+                      <a:pt x="0" y="559600"/>
+                      <a:pt x="0" y="524171"/>
+                    </a:cubicBezTo>
+                    <a:lnTo>
+                      <a:pt x="0" y="133587"/>
+                    </a:lnTo>
+                    <a:cubicBezTo>
+                      <a:pt x="0" y="98158"/>
+                      <a:pt x="14074" y="64179"/>
+                      <a:pt x="39127" y="39127"/>
+                    </a:cubicBezTo>
+                    <a:cubicBezTo>
+                      <a:pt x="64179" y="14074"/>
+                      <a:pt x="98158" y="0"/>
+                      <a:pt x="133587" y="0"/>
+                    </a:cubicBezTo>
+                    <a:close/>
+                  </a:path>
+                </a:pathLst>
+              </a:custGeom>
+              <a:solidFill>
+                <a:srgbClr val="F2F6F5"/>
+              </a:solidFill>
+            </p:spPr>
+          </p:sp>
+          <p:sp>
+            <p:nvSpPr>
+              <p:cNvPr name="TextBox 14" id="14"/>
+              <p:cNvSpPr txBox="true"/>
+              <p:nvPr/>
+            </p:nvSpPr>
+            <p:spPr>
+              <a:xfrm>
+                <a:off x="0" y="85725"/>
+                <a:ext cx="1251187" cy="572033"/>
+              </a:xfrm>
+              <a:prstGeom prst="rect">
+                <a:avLst/>
+              </a:prstGeom>
+            </p:spPr>
+            <p:txBody>
+              <a:bodyPr anchor="ctr" rtlCol="false" tIns="50800" lIns="50800" bIns="50800" rIns="50800"/>
+              <a:lstStyle/>
+              <a:p>
+                <a:pPr algn="ctr">
+                  <a:lnSpc>
+                    <a:spcPts val="1925"/>
+                  </a:lnSpc>
+                </a:pPr>
+              </a:p>
+            </p:txBody>
+          </p:sp>
+        </p:grpSp>
+        <p:sp>
+          <p:nvSpPr>
+            <p:cNvPr name="TextBox 15" id="15"/>
+            <p:cNvSpPr txBox="true"/>
+            <p:nvPr/>
+          </p:nvSpPr>
+          <p:spPr>
+            <a:xfrm rot="0">
+              <a:off x="841967" y="848325"/>
+              <a:ext cx="3102192" cy="777714"/>
+            </a:xfrm>
+            <a:prstGeom prst="rect">
+              <a:avLst/>
+            </a:prstGeom>
+          </p:spPr>
+          <p:txBody>
+            <a:bodyPr anchor="t" rtlCol="false" tIns="0" lIns="0" bIns="0" rIns="0">
+              <a:spAutoFit/>
+            </a:bodyPr>
+            <a:lstStyle/>
+            <a:p>
+              <a:pPr algn="just">
+                <a:lnSpc>
+                  <a:spcPts val="4812"/>
+                </a:lnSpc>
+              </a:pPr>
+              <a:r>
+                <a:rPr lang="en-US" sz="3437" spc="-44">
+                  <a:solidFill>
+                    <a:srgbClr val="272665"/>
+                  </a:solidFill>
+                  <a:latin typeface="Public Sans"/>
+                  <a:ea typeface="Public Sans"/>
+                  <a:cs typeface="Public Sans"/>
+                  <a:sym typeface="Public Sans"/>
+                </a:rPr>
+                <a:t>Horus Path</a:t>
+              </a:r>
+            </a:p>
+          </p:txBody>
+        </p:sp>
+      </p:grpSp>
+      <p:sp>
+        <p:nvSpPr>
+          <p:cNvPr name="Freeform 16" id="16"/>
+          <p:cNvSpPr/>
+          <p:nvPr/>
+        </p:nvSpPr>
+        <p:spPr>
+          <a:xfrm flipH="false" flipV="false" rot="0">
+            <a:off x="1438447" y="6362814"/>
+            <a:ext cx="2813214" cy="3394527"/>
+          </a:xfrm>
+          <a:custGeom>
+            <a:avLst/>
+            <a:gdLst/>
+            <a:ahLst/>
+            <a:cxnLst/>
+            <a:rect r="r" b="b" t="t" l="l"/>
+            <a:pathLst>
+              <a:path h="3394527" w="2813214">
+                <a:moveTo>
+                  <a:pt x="0" y="0"/>
+                </a:moveTo>
+                <a:lnTo>
+                  <a:pt x="2813214" y="0"/>
+                </a:lnTo>
+                <a:lnTo>
+                  <a:pt x="2813214" y="3394527"/>
+                </a:lnTo>
+                <a:lnTo>
+                  <a:pt x="0" y="3394527"/>
+                </a:lnTo>
+                <a:lnTo>
+                  <a:pt x="0" y="0"/>
+                </a:lnTo>
+                <a:close/>
+              </a:path>
+            </a:pathLst>
+          </a:custGeom>
+          <a:blipFill>
+            <a:blip r:embed="rId7"/>
+            <a:stretch>
+              <a:fillRect l="0" t="0" r="0" b="0"/>
+            </a:stretch>
+          </a:blipFill>
+        </p:spPr>
+      </p:sp>
+      <p:sp>
+        <p:nvSpPr>
+          <p:cNvPr name="Freeform 17" id="17"/>
+          <p:cNvSpPr/>
+          <p:nvPr/>
+        </p:nvSpPr>
+        <p:spPr>
+          <a:xfrm flipH="false" flipV="false" rot="0">
+            <a:off x="1438447" y="6489115"/>
+            <a:ext cx="601136" cy="543276"/>
+          </a:xfrm>
+          <a:custGeom>
+            <a:avLst/>
+            <a:gdLst/>
+            <a:ahLst/>
+            <a:cxnLst/>
+            <a:rect r="r" b="b" t="t" l="l"/>
+            <a:pathLst>
+              <a:path h="543276" w="601136">
+                <a:moveTo>
+                  <a:pt x="0" y="0"/>
+                </a:moveTo>
+                <a:lnTo>
+                  <a:pt x="601135" y="0"/>
+                </a:lnTo>
+                <a:lnTo>
+                  <a:pt x="601135" y="543277"/>
+                </a:lnTo>
+                <a:lnTo>
+                  <a:pt x="0" y="543277"/>
+                </a:lnTo>
+                <a:lnTo>
+                  <a:pt x="0" y="0"/>
+                </a:lnTo>
+                <a:close/>
+              </a:path>
+            </a:pathLst>
+          </a:custGeom>
+          <a:blipFill>
+            <a:blip r:embed="rId8"/>
+            <a:stretch>
+              <a:fillRect l="0" t="0" r="0" b="0"/>
+            </a:stretch>
+          </a:blipFill>
+        </p:spPr>
+      </p:sp>
+      <p:sp>
+        <p:nvSpPr>
+          <p:cNvPr name="TextBox 18" id="18"/>
+          <p:cNvSpPr txBox="true"/>
+          <p:nvPr/>
+        </p:nvSpPr>
+        <p:spPr>
+          <a:xfrm rot="0">
+            <a:off x="3273152" y="1063944"/>
+            <a:ext cx="11741696" cy="1232538"/>
+          </a:xfrm>
+          <a:prstGeom prst="rect">
+            <a:avLst/>
+          </a:prstGeom>
+        </p:spPr>
+        <p:txBody>
+          <a:bodyPr anchor="t" rtlCol="false" tIns="0" lIns="0" bIns="0" rIns="0">
+            <a:spAutoFit/>
+          </a:bodyPr>
+          <a:lstStyle/>
+          <a:p>
+            <a:pPr algn="ctr">
+              <a:lnSpc>
+                <a:spcPts val="9120"/>
+              </a:lnSpc>
+            </a:pPr>
+            <a:r>
+              <a:rPr lang="en-US" sz="9500" spc="-779">
+                <a:solidFill>
+                  <a:srgbClr val="272665"/>
+                </a:solidFill>
+                <a:latin typeface="Public Sans"/>
+                <a:ea typeface="Public Sans"/>
+                <a:cs typeface="Public Sans"/>
+                <a:sym typeface="Public Sans"/>
+              </a:rPr>
+              <a:t>Contexto</a:t>
+            </a:r>
+          </a:p>
+        </p:txBody>
       </p:sp>
     </p:spTree>
   </p:cSld>
@@ -5840,9 +6275,9 @@
               <a:tblPr/>
               <a:tblGrid>
                 <a:gridCol w="838493"/>
-                <a:gridCol w="3291556"/>
-                <a:gridCol w="8229611"/>
-                <a:gridCol w="2549110"/>
+                <a:gridCol w="3042770"/>
+                <a:gridCol w="8654010"/>
+                <a:gridCol w="2373496"/>
                 <a:gridCol w="3029267"/>
               </a:tblGrid>
               <a:tr h="1071201">
@@ -6324,7 +6759,7 @@
                           <a:cs typeface="Public Sans"/>
                           <a:sym typeface="Public Sans"/>
                         </a:rPr>
-                        <a:t>La calidad de la conexión entre el robot asistente y el usuario debe tener un alcance de 10 metros.</a:t>
+                        <a:t>La señal entre el robot asistente y el usuario debe mantenerse estable en un rango mínimo de 10 metros midiéndose la señal en metros y potencia.</a:t>
                       </a:r>
                       <a:endParaRPr lang="en-US" sz="1100"/>
                     </a:p>
@@ -6651,7 +7086,7 @@
                           <a:cs typeface="Public Sans"/>
                           <a:sym typeface="Public Sans"/>
                         </a:rPr>
-                        <a:t>Mantener una conexión privada y segura entre el usuario y robot asistente</a:t>
+                        <a:t>La comunicación entre el robot y la aplicación debe estar protegida mediante cifrado seguro, siguiendo un estándar de cifrado</a:t>
                       </a:r>
                       <a:endParaRPr lang="en-US" sz="1100"/>
                     </a:p>
@@ -6716,7 +7151,7 @@
                           <a:cs typeface="Public Sans"/>
                           <a:sym typeface="Public Sans"/>
                         </a:rPr>
-                        <a:t>Cifrado AES 128 bits o superior</a:t>
+                        <a:t>AES 128 bits o superior</a:t>
                       </a:r>
                       <a:endParaRPr lang="en-US" sz="1100"/>
                     </a:p>
@@ -6978,7 +7413,7 @@
                           <a:cs typeface="Public Sans"/>
                           <a:sym typeface="Public Sans"/>
                         </a:rPr>
-                        <a:t>El sistema debe poder generar una ruta</a:t>
+                        <a:t>El sistema debe generar una ruta óptima para el usuario en un tiempo maximo</a:t>
                       </a:r>
                       <a:endParaRPr lang="en-US" sz="1100"/>
                     </a:p>
@@ -7043,7 +7478,7 @@
                           <a:cs typeface="Public Sans"/>
                           <a:sym typeface="Public Sans"/>
                         </a:rPr>
-                        <a:t>1 segundo</a:t>
+                        <a:t>≤ 2 segundos</a:t>
                       </a:r>
                       <a:endParaRPr lang="en-US" sz="1100"/>
                     </a:p>
@@ -7305,7 +7740,7 @@
                           <a:cs typeface="Public Sans"/>
                           <a:sym typeface="Public Sans"/>
                         </a:rPr>
-                        <a:t>El sistema debe poder reconocer y actuar en consecuencia cambios del entorno</a:t>
+                        <a:t>El sistema debe procesar y reaccionar ante los cambios en el entorno en el tiempo estimado</a:t>
                       </a:r>
                       <a:endParaRPr lang="en-US" sz="1100"/>
                     </a:p>
@@ -7370,7 +7805,7 @@
                           <a:cs typeface="Public Sans"/>
                           <a:sym typeface="Public Sans"/>
                         </a:rPr>
-                        <a:t>3 segundos</a:t>
+                        <a:t>≤ 3 segundos</a:t>
                       </a:r>
                       <a:endParaRPr lang="en-US" sz="1100"/>
                     </a:p>
@@ -7632,7 +8067,7 @@
                           <a:cs typeface="Public Sans"/>
                           <a:sym typeface="Public Sans"/>
                         </a:rPr>
-                        <a:t>La conexión entre el robot guía y la aplicación debe ser continua</a:t>
+                        <a:t>La conexión entre el robot guía y la aplicación debe ser continua con una latencia igual o menor a la establecida</a:t>
                       </a:r>
                       <a:endParaRPr lang="en-US" sz="1100"/>
                     </a:p>
@@ -7959,7 +8394,7 @@
                           <a:cs typeface="Public Sans"/>
                           <a:sym typeface="Public Sans"/>
                         </a:rPr>
-                        <a:t>Tiempo de respuesta dentro del aplicativo</a:t>
+                        <a:t>La aplicación debe responder a las acciones del usuario en el tiempo esperado</a:t>
                       </a:r>
                       <a:endParaRPr lang="en-US" sz="1100"/>
                     </a:p>
@@ -8286,7 +8721,7 @@
                           <a:cs typeface="Public Sans"/>
                           <a:sym typeface="Public Sans"/>
                         </a:rPr>
-                        <a:t>La app debe poder manajarce por con lectores de pantalla y comandos de voz.</a:t>
+                        <a:t>La aplicación debe ser accesible mediante lectores de pantalla y comandos de voz, cumpliendo con el estándar de accesibilidad</a:t>
                       </a:r>
                       <a:endParaRPr lang="en-US" sz="1100"/>
                     </a:p>
@@ -8613,7 +9048,7 @@
                           <a:cs typeface="Public Sans"/>
                           <a:sym typeface="Public Sans"/>
                         </a:rPr>
-                        <a:t>El porcentaje del sistema que funciona correctamente en diferentes sistemas operativos</a:t>
+                        <a:t>El sistema debe funcionar correctamente en al menos cierto porcentaje de los dispositivos moviles.</a:t>
                       </a:r>
                       <a:endParaRPr lang="en-US" sz="1100"/>
                     </a:p>
@@ -8678,7 +9113,7 @@
                           <a:cs typeface="Public Sans"/>
                           <a:sym typeface="Public Sans"/>
                         </a:rPr>
-                        <a:t>80%</a:t>
+                        <a:t>≥ 80 % de funcionalidad operativa</a:t>
                       </a:r>
                       <a:endParaRPr lang="en-US" sz="1100"/>
                     </a:p>
@@ -13579,23 +14014,24 @@
           <p:nvPr/>
         </p:nvGraphicFramePr>
         <p:xfrm>
-          <a:off x="1028700" y="2599946"/>
-          <a:ext cx="16374428" cy="6321841"/>
+          <a:off x="1028700" y="1790941"/>
+          <a:ext cx="16374428" cy="7945904"/>
         </p:xfrm>
         <a:graphic>
           <a:graphicData uri="http://schemas.openxmlformats.org/drawingml/2006/table">
             <a:tbl>
               <a:tblPr/>
               <a:tblGrid>
-                <a:gridCol w="2471160"/>
-                <a:gridCol w="2244850"/>
-                <a:gridCol w="3037251"/>
-                <a:gridCol w="2344482"/>
-                <a:gridCol w="2405565"/>
-                <a:gridCol w="1941688"/>
-                <a:gridCol w="1929433"/>
+                <a:gridCol w="2173222"/>
+                <a:gridCol w="3651270"/>
+                <a:gridCol w="3603099"/>
+                <a:gridCol w="1913443"/>
+                <a:gridCol w="1327156"/>
+                <a:gridCol w="1495666"/>
+                <a:gridCol w="1179549"/>
+                <a:gridCol w="1031022"/>
               </a:tblGrid>
-              <a:tr h="1236175">
+              <a:tr h="1227138">
                 <a:tc>
                   <a:txBody>
                     <a:bodyPr anchor="t" rtlCol="false"/>
@@ -13733,6 +14169,71 @@
                     <a:p>
                       <a:pPr algn="ctr">
                         <a:lnSpc>
+                          <a:spcPts val="3359"/>
+                        </a:lnSpc>
+                        <a:defRPr/>
+                      </a:pPr>
+                      <a:r>
+                        <a:rPr lang="en-US" sz="2399" b="true">
+                          <a:solidFill>
+                            <a:srgbClr val="000000"/>
+                          </a:solidFill>
+                          <a:latin typeface="Public Sans Bold"/>
+                          <a:ea typeface="Public Sans Bold"/>
+                          <a:cs typeface="Public Sans Bold"/>
+                          <a:sym typeface="Public Sans Bold"/>
+                        </a:rPr>
+                        <a:t>Subcategoria</a:t>
+                      </a:r>
+                      <a:endParaRPr lang="en-US" sz="1100"/>
+                    </a:p>
+                  </a:txBody>
+                  <a:tcPr marL="190500" marR="190500" marT="190500" marB="190500" anchor="ctr">
+                    <a:lnL cmpd="sng" algn="ctr" cap="flat" w="38100">
+                      <a:solidFill>
+                        <a:srgbClr val="000000"/>
+                      </a:solidFill>
+                      <a:prstDash val="solid"/>
+                      <a:round/>
+                      <a:headEnd type="none" w="med" len="med"/>
+                      <a:tailEnd type="none" w="med" len="med"/>
+                    </a:lnL>
+                    <a:lnR cmpd="sng" algn="ctr" cap="flat" w="38100">
+                      <a:solidFill>
+                        <a:srgbClr val="000000"/>
+                      </a:solidFill>
+                      <a:prstDash val="solid"/>
+                      <a:round/>
+                      <a:headEnd type="none" w="med" len="med"/>
+                      <a:tailEnd type="none" w="med" len="med"/>
+                    </a:lnR>
+                    <a:lnT cmpd="sng" algn="ctr" cap="flat" w="38100">
+                      <a:solidFill>
+                        <a:srgbClr val="000000"/>
+                      </a:solidFill>
+                      <a:prstDash val="solid"/>
+                      <a:round/>
+                      <a:headEnd type="none" w="med" len="med"/>
+                      <a:tailEnd type="none" w="med" len="med"/>
+                    </a:lnT>
+                    <a:lnB cmpd="sng" algn="ctr" cap="flat" w="38100">
+                      <a:solidFill>
+                        <a:srgbClr val="000000"/>
+                      </a:solidFill>
+                      <a:prstDash val="solid"/>
+                      <a:round/>
+                      <a:headEnd type="none" w="med" len="med"/>
+                      <a:tailEnd type="none" w="med" len="med"/>
+                    </a:lnB>
+                  </a:tcPr>
+                </a:tc>
+                <a:tc>
+                  <a:txBody>
+                    <a:bodyPr anchor="t" rtlCol="false"/>
+                    <a:lstStyle/>
+                    <a:p>
+                      <a:pPr algn="ctr">
+                        <a:lnSpc>
                           <a:spcPts val="3360"/>
                         </a:lnSpc>
                         <a:defRPr/>
@@ -13798,12 +14299,12 @@
                     <a:p>
                       <a:pPr algn="ctr">
                         <a:lnSpc>
-                          <a:spcPts val="3360"/>
+                          <a:spcPts val="2379"/>
                         </a:lnSpc>
                         <a:defRPr/>
                       </a:pPr>
                       <a:r>
-                        <a:rPr lang="en-US" sz="2400" b="true">
+                        <a:rPr lang="en-US" sz="1699" b="true">
                           <a:solidFill>
                             <a:srgbClr val="000000"/>
                           </a:solidFill>
@@ -13863,12 +14364,12 @@
                     <a:p>
                       <a:pPr algn="ctr">
                         <a:lnSpc>
-                          <a:spcPts val="3360"/>
+                          <a:spcPts val="2379"/>
                         </a:lnSpc>
                         <a:defRPr/>
                       </a:pPr>
                       <a:r>
-                        <a:rPr lang="en-US" sz="2400" b="true">
+                        <a:rPr lang="en-US" sz="1699" b="true">
                           <a:solidFill>
                             <a:srgbClr val="000000"/>
                           </a:solidFill>
@@ -13928,12 +14429,12 @@
                     <a:p>
                       <a:pPr algn="ctr">
                         <a:lnSpc>
-                          <a:spcPts val="4480"/>
+                          <a:spcPts val="2379"/>
                         </a:lnSpc>
                         <a:defRPr/>
                       </a:pPr>
                       <a:r>
-                        <a:rPr lang="en-US" sz="3200" b="true">
+                        <a:rPr lang="en-US" sz="1699" b="true">
                           <a:solidFill>
                             <a:srgbClr val="000000"/>
                           </a:solidFill>
@@ -13993,12 +14494,12 @@
                     <a:p>
                       <a:pPr algn="ctr">
                         <a:lnSpc>
-                          <a:spcPts val="4480"/>
+                          <a:spcPts val="2379"/>
                         </a:lnSpc>
                         <a:defRPr/>
                       </a:pPr>
                       <a:r>
-                        <a:rPr lang="en-US" sz="3200" b="true">
+                        <a:rPr lang="en-US" sz="1699" b="true">
                           <a:solidFill>
                             <a:srgbClr val="000000"/>
                           </a:solidFill>
@@ -14052,7 +14553,7 @@
                   </a:tcPr>
                 </a:tc>
               </a:tr>
-              <a:tr h="1326616">
+              <a:tr h="1952462">
                 <a:tc>
                   <a:txBody>
                     <a:bodyPr anchor="t" rtlCol="false"/>
@@ -14139,7 +14640,72 @@
                           <a:cs typeface="Public Sans"/>
                           <a:sym typeface="Public Sans"/>
                         </a:rPr>
-                        <a:t>Experiencia de usuario</a:t>
+                        <a:t>La aplicación debe ser accesible por voz y lectores de pantalla cumpliendo WCAG 2.1 AA.</a:t>
+                      </a:r>
+                      <a:endParaRPr lang="en-US" sz="1100"/>
+                    </a:p>
+                  </a:txBody>
+                  <a:tcPr marL="190500" marR="190500" marT="190500" marB="190500" anchor="ctr">
+                    <a:lnL cmpd="sng" algn="ctr" cap="flat" w="38100">
+                      <a:solidFill>
+                        <a:srgbClr val="000000"/>
+                      </a:solidFill>
+                      <a:prstDash val="solid"/>
+                      <a:round/>
+                      <a:headEnd type="none" w="med" len="med"/>
+                      <a:tailEnd type="none" w="med" len="med"/>
+                    </a:lnL>
+                    <a:lnR cmpd="sng" algn="ctr" cap="flat" w="38100">
+                      <a:solidFill>
+                        <a:srgbClr val="000000"/>
+                      </a:solidFill>
+                      <a:prstDash val="solid"/>
+                      <a:round/>
+                      <a:headEnd type="none" w="med" len="med"/>
+                      <a:tailEnd type="none" w="med" len="med"/>
+                    </a:lnR>
+                    <a:lnT cmpd="sng" algn="ctr" cap="flat" w="38100">
+                      <a:solidFill>
+                        <a:srgbClr val="000000"/>
+                      </a:solidFill>
+                      <a:prstDash val="solid"/>
+                      <a:round/>
+                      <a:headEnd type="none" w="med" len="med"/>
+                      <a:tailEnd type="none" w="med" len="med"/>
+                    </a:lnT>
+                    <a:lnB cmpd="sng" algn="ctr" cap="flat" w="38100">
+                      <a:solidFill>
+                        <a:srgbClr val="000000"/>
+                      </a:solidFill>
+                      <a:prstDash val="solid"/>
+                      <a:round/>
+                      <a:headEnd type="none" w="med" len="med"/>
+                      <a:tailEnd type="none" w="med" len="med"/>
+                    </a:lnB>
+                  </a:tcPr>
+                </a:tc>
+                <a:tc>
+                  <a:txBody>
+                    <a:bodyPr anchor="t" rtlCol="false"/>
+                    <a:lstStyle/>
+                    <a:p>
+                      <a:pPr algn="ctr">
+                        <a:lnSpc>
+                          <a:spcPts val="2380"/>
+                        </a:lnSpc>
+                        <a:defRPr/>
+                      </a:pPr>
+                      <a:r>
+                        <a:rPr lang="en-US" sz="1700">
+                          <a:solidFill>
+                            <a:srgbClr val="000000"/>
+                          </a:solidFill>
+                          <a:latin typeface="Public Sans"/>
+                          <a:ea typeface="Public Sans"/>
+                          <a:cs typeface="Public Sans"/>
+                          <a:sym typeface="Public Sans"/>
+                        </a:rPr>
+                        <a:t>Capacidad de interacción – Inclusividad</a:t>
                       </a:r>
                       <a:endParaRPr lang="en-US" sz="1100"/>
                     </a:p>
@@ -14509,7 +15075,7 @@
                   </a:tcPr>
                 </a:tc>
               </a:tr>
-              <a:tr h="1217010">
+              <a:tr h="1588768">
                 <a:tc>
                   <a:txBody>
                     <a:bodyPr anchor="t" rtlCol="false"/>
@@ -14596,7 +15162,72 @@
                           <a:cs typeface="Public Sans"/>
                           <a:sym typeface="Public Sans"/>
                         </a:rPr>
-                        <a:t>Tiempo de respuesta</a:t>
+                        <a:t>El sistema debe responder a las acciones del usuario entre 3 y 5 segundos.</a:t>
+                      </a:r>
+                      <a:endParaRPr lang="en-US" sz="1100"/>
+                    </a:p>
+                  </a:txBody>
+                  <a:tcPr marL="190500" marR="190500" marT="190500" marB="190500" anchor="ctr">
+                    <a:lnL cmpd="sng" algn="ctr" cap="flat" w="38100">
+                      <a:solidFill>
+                        <a:srgbClr val="000000"/>
+                      </a:solidFill>
+                      <a:prstDash val="solid"/>
+                      <a:round/>
+                      <a:headEnd type="none" w="med" len="med"/>
+                      <a:tailEnd type="none" w="med" len="med"/>
+                    </a:lnL>
+                    <a:lnR cmpd="sng" algn="ctr" cap="flat" w="38100">
+                      <a:solidFill>
+                        <a:srgbClr val="000000"/>
+                      </a:solidFill>
+                      <a:prstDash val="solid"/>
+                      <a:round/>
+                      <a:headEnd type="none" w="med" len="med"/>
+                      <a:tailEnd type="none" w="med" len="med"/>
+                    </a:lnR>
+                    <a:lnT cmpd="sng" algn="ctr" cap="flat" w="38100">
+                      <a:solidFill>
+                        <a:srgbClr val="000000"/>
+                      </a:solidFill>
+                      <a:prstDash val="solid"/>
+                      <a:round/>
+                      <a:headEnd type="none" w="med" len="med"/>
+                      <a:tailEnd type="none" w="med" len="med"/>
+                    </a:lnT>
+                    <a:lnB cmpd="sng" algn="ctr" cap="flat" w="38100">
+                      <a:solidFill>
+                        <a:srgbClr val="000000"/>
+                      </a:solidFill>
+                      <a:prstDash val="solid"/>
+                      <a:round/>
+                      <a:headEnd type="none" w="med" len="med"/>
+                      <a:tailEnd type="none" w="med" len="med"/>
+                    </a:lnB>
+                  </a:tcPr>
+                </a:tc>
+                <a:tc>
+                  <a:txBody>
+                    <a:bodyPr anchor="t" rtlCol="false"/>
+                    <a:lstStyle/>
+                    <a:p>
+                      <a:pPr algn="ctr">
+                        <a:lnSpc>
+                          <a:spcPts val="2380"/>
+                        </a:lnSpc>
+                        <a:defRPr/>
+                      </a:pPr>
+                      <a:r>
+                        <a:rPr lang="en-US" sz="1700">
+                          <a:solidFill>
+                            <a:srgbClr val="000000"/>
+                          </a:solidFill>
+                          <a:latin typeface="Public Sans"/>
+                          <a:ea typeface="Public Sans"/>
+                          <a:cs typeface="Public Sans"/>
+                          <a:sym typeface="Public Sans"/>
+                        </a:rPr>
+                        <a:t>Eficiencia de desempeño – Comportamiento temporal</a:t>
                       </a:r>
                       <a:endParaRPr lang="en-US" sz="1100"/>
                     </a:p>
@@ -14966,7 +15597,7 @@
                   </a:tcPr>
                 </a:tc>
               </a:tr>
-              <a:tr h="1217010">
+              <a:tr h="1588768">
                 <a:tc>
                   <a:txBody>
                     <a:bodyPr anchor="t" rtlCol="false"/>
@@ -15053,7 +15684,72 @@
                           <a:cs typeface="Public Sans"/>
                           <a:sym typeface="Public Sans"/>
                         </a:rPr>
-                        <a:t>Correcto funcionamiento</a:t>
+                        <a:t>El sistema debe tener una tasa de éxito mayor al 90 % en sus funciones.</a:t>
+                      </a:r>
+                      <a:endParaRPr lang="en-US" sz="1100"/>
+                    </a:p>
+                  </a:txBody>
+                  <a:tcPr marL="190500" marR="190500" marT="190500" marB="190500" anchor="ctr">
+                    <a:lnL cmpd="sng" algn="ctr" cap="flat" w="38100">
+                      <a:solidFill>
+                        <a:srgbClr val="000000"/>
+                      </a:solidFill>
+                      <a:prstDash val="solid"/>
+                      <a:round/>
+                      <a:headEnd type="none" w="med" len="med"/>
+                      <a:tailEnd type="none" w="med" len="med"/>
+                    </a:lnL>
+                    <a:lnR cmpd="sng" algn="ctr" cap="flat" w="38100">
+                      <a:solidFill>
+                        <a:srgbClr val="000000"/>
+                      </a:solidFill>
+                      <a:prstDash val="solid"/>
+                      <a:round/>
+                      <a:headEnd type="none" w="med" len="med"/>
+                      <a:tailEnd type="none" w="med" len="med"/>
+                    </a:lnR>
+                    <a:lnT cmpd="sng" algn="ctr" cap="flat" w="38100">
+                      <a:solidFill>
+                        <a:srgbClr val="000000"/>
+                      </a:solidFill>
+                      <a:prstDash val="solid"/>
+                      <a:round/>
+                      <a:headEnd type="none" w="med" len="med"/>
+                      <a:tailEnd type="none" w="med" len="med"/>
+                    </a:lnT>
+                    <a:lnB cmpd="sng" algn="ctr" cap="flat" w="38100">
+                      <a:solidFill>
+                        <a:srgbClr val="000000"/>
+                      </a:solidFill>
+                      <a:prstDash val="solid"/>
+                      <a:round/>
+                      <a:headEnd type="none" w="med" len="med"/>
+                      <a:tailEnd type="none" w="med" len="med"/>
+                    </a:lnB>
+                  </a:tcPr>
+                </a:tc>
+                <a:tc>
+                  <a:txBody>
+                    <a:bodyPr anchor="t" rtlCol="false"/>
+                    <a:lstStyle/>
+                    <a:p>
+                      <a:pPr algn="ctr">
+                        <a:lnSpc>
+                          <a:spcPts val="2380"/>
+                        </a:lnSpc>
+                        <a:defRPr/>
+                      </a:pPr>
+                      <a:r>
+                        <a:rPr lang="en-US" sz="1700">
+                          <a:solidFill>
+                            <a:srgbClr val="000000"/>
+                          </a:solidFill>
+                          <a:latin typeface="Public Sans"/>
+                          <a:ea typeface="Public Sans"/>
+                          <a:cs typeface="Public Sans"/>
+                          <a:sym typeface="Public Sans"/>
+                        </a:rPr>
+                        <a:t>Fiabilidad – Ausencia de fallos</a:t>
                       </a:r>
                       <a:endParaRPr lang="en-US" sz="1100"/>
                     </a:p>
@@ -15423,7 +16119,7 @@
                   </a:tcPr>
                 </a:tc>
               </a:tr>
-              <a:tr h="1325031">
+              <a:tr h="1588768">
                 <a:tc>
                   <a:txBody>
                     <a:bodyPr anchor="t" rtlCol="false"/>
@@ -15510,7 +16206,72 @@
                           <a:cs typeface="Public Sans"/>
                           <a:sym typeface="Public Sans"/>
                         </a:rPr>
-                        <a:t>Plataformas</a:t>
+                        <a:t>El sistema debe funcionar correctamente en al menos el 80 % de plataformas objetivo.</a:t>
+                      </a:r>
+                      <a:endParaRPr lang="en-US" sz="1100"/>
+                    </a:p>
+                  </a:txBody>
+                  <a:tcPr marL="190500" marR="190500" marT="190500" marB="190500" anchor="ctr">
+                    <a:lnL cmpd="sng" algn="ctr" cap="flat" w="38100">
+                      <a:solidFill>
+                        <a:srgbClr val="000000"/>
+                      </a:solidFill>
+                      <a:prstDash val="solid"/>
+                      <a:round/>
+                      <a:headEnd type="none" w="med" len="med"/>
+                      <a:tailEnd type="none" w="med" len="med"/>
+                    </a:lnL>
+                    <a:lnR cmpd="sng" algn="ctr" cap="flat" w="38100">
+                      <a:solidFill>
+                        <a:srgbClr val="000000"/>
+                      </a:solidFill>
+                      <a:prstDash val="solid"/>
+                      <a:round/>
+                      <a:headEnd type="none" w="med" len="med"/>
+                      <a:tailEnd type="none" w="med" len="med"/>
+                    </a:lnR>
+                    <a:lnT cmpd="sng" algn="ctr" cap="flat" w="38100">
+                      <a:solidFill>
+                        <a:srgbClr val="000000"/>
+                      </a:solidFill>
+                      <a:prstDash val="solid"/>
+                      <a:round/>
+                      <a:headEnd type="none" w="med" len="med"/>
+                      <a:tailEnd type="none" w="med" len="med"/>
+                    </a:lnT>
+                    <a:lnB cmpd="sng" algn="ctr" cap="flat" w="38100">
+                      <a:solidFill>
+                        <a:srgbClr val="000000"/>
+                      </a:solidFill>
+                      <a:prstDash val="solid"/>
+                      <a:round/>
+                      <a:headEnd type="none" w="med" len="med"/>
+                      <a:tailEnd type="none" w="med" len="med"/>
+                    </a:lnB>
+                  </a:tcPr>
+                </a:tc>
+                <a:tc>
+                  <a:txBody>
+                    <a:bodyPr anchor="t" rtlCol="false"/>
+                    <a:lstStyle/>
+                    <a:p>
+                      <a:pPr algn="ctr">
+                        <a:lnSpc>
+                          <a:spcPts val="2380"/>
+                        </a:lnSpc>
+                        <a:defRPr/>
+                      </a:pPr>
+                      <a:r>
+                        <a:rPr lang="en-US" sz="1700">
+                          <a:solidFill>
+                            <a:srgbClr val="000000"/>
+                          </a:solidFill>
+                          <a:latin typeface="Public Sans"/>
+                          <a:ea typeface="Public Sans"/>
+                          <a:cs typeface="Public Sans"/>
+                          <a:sym typeface="Public Sans"/>
+                        </a:rPr>
+                        <a:t>Compatibilidad – Interoperabilidad</a:t>
                       </a:r>
                       <a:endParaRPr lang="en-US" sz="1100"/>
                     </a:p>
@@ -15920,7 +16681,7 @@
                 <a:cs typeface="Public Sans"/>
                 <a:sym typeface="Public Sans"/>
               </a:rPr>
-              <a:t>Drivers Arquitectonicos</a:t>
+              <a:t>Ponderación</a:t>
             </a:r>
           </a:p>
         </p:txBody>
